--- a/SQLFriday - Migrating Data using Polybase to Azure SQL DB/Migrating Data using Polybase to Azure SQL DB.pptx
+++ b/SQLFriday - Migrating Data using Polybase to Azure SQL DB/Migrating Data using Polybase to Azure SQL DB.pptx
@@ -4,24 +4,26 @@
   <p:sldMasterIdLst>
     <p:sldMasterId id="2147483648" r:id="rId1"/>
   </p:sldMasterIdLst>
+  <p:notesMasterIdLst>
+    <p:notesMasterId r:id="rId18"/>
+  </p:notesMasterIdLst>
   <p:sldIdLst>
     <p:sldId id="256" r:id="rId2"/>
-    <p:sldId id="257" r:id="rId3"/>
-    <p:sldId id="258" r:id="rId4"/>
-    <p:sldId id="261" r:id="rId5"/>
-    <p:sldId id="299" r:id="rId6"/>
-    <p:sldId id="296" r:id="rId7"/>
-    <p:sldId id="297" r:id="rId8"/>
-    <p:sldId id="298" r:id="rId9"/>
-    <p:sldId id="300" r:id="rId10"/>
-    <p:sldId id="301" r:id="rId11"/>
-    <p:sldId id="302" r:id="rId12"/>
-    <p:sldId id="303" r:id="rId13"/>
-    <p:sldId id="304" r:id="rId14"/>
-    <p:sldId id="305" r:id="rId15"/>
-    <p:sldId id="306" r:id="rId16"/>
-    <p:sldId id="295" r:id="rId17"/>
-    <p:sldId id="293" r:id="rId18"/>
+    <p:sldId id="258" r:id="rId3"/>
+    <p:sldId id="261" r:id="rId4"/>
+    <p:sldId id="299" r:id="rId5"/>
+    <p:sldId id="297" r:id="rId6"/>
+    <p:sldId id="307" r:id="rId7"/>
+    <p:sldId id="298" r:id="rId8"/>
+    <p:sldId id="300" r:id="rId9"/>
+    <p:sldId id="301" r:id="rId10"/>
+    <p:sldId id="302" r:id="rId11"/>
+    <p:sldId id="303" r:id="rId12"/>
+    <p:sldId id="304" r:id="rId13"/>
+    <p:sldId id="305" r:id="rId14"/>
+    <p:sldId id="306" r:id="rId15"/>
+    <p:sldId id="295" r:id="rId16"/>
+    <p:sldId id="293" r:id="rId17"/>
   </p:sldIdLst>
   <p:sldSz cx="12192000" cy="6858000"/>
   <p:notesSz cx="6858000" cy="9144000"/>
@@ -126,6 +128,440 @@
     </p:ext>
   </p:extLst>
 </p:presentation>
+</file>
+
+<file path=ppt/notesMasters/notesMaster1.xml><?xml version="1.0" encoding="utf-8"?>
+<p:notesMaster xmlns:a="http://schemas.openxmlformats.org/drawingml/2006/main" xmlns:r="http://schemas.openxmlformats.org/officeDocument/2006/relationships" xmlns:p="http://schemas.openxmlformats.org/presentationml/2006/main">
+  <p:cSld>
+    <p:bg>
+      <p:bgRef idx="1001">
+        <a:schemeClr val="bg1"/>
+      </p:bgRef>
+    </p:bg>
+    <p:spTree>
+      <p:nvGrpSpPr>
+        <p:cNvPr id="1" name=""/>
+        <p:cNvGrpSpPr/>
+        <p:nvPr/>
+      </p:nvGrpSpPr>
+      <p:grpSpPr>
+        <a:xfrm>
+          <a:off x="0" y="0"/>
+          <a:ext cx="0" cy="0"/>
+          <a:chOff x="0" y="0"/>
+          <a:chExt cx="0" cy="0"/>
+        </a:xfrm>
+      </p:grpSpPr>
+      <p:sp>
+        <p:nvSpPr>
+          <p:cNvPr id="2" name="Header Placeholder 1"/>
+          <p:cNvSpPr>
+            <a:spLocks noGrp="1"/>
+          </p:cNvSpPr>
+          <p:nvPr>
+            <p:ph type="hdr" sz="quarter"/>
+          </p:nvPr>
+        </p:nvSpPr>
+        <p:spPr>
+          <a:xfrm>
+            <a:off x="0" y="0"/>
+            <a:ext cx="2971800" cy="458788"/>
+          </a:xfrm>
+          <a:prstGeom prst="rect">
+            <a:avLst/>
+          </a:prstGeom>
+        </p:spPr>
+        <p:txBody>
+          <a:bodyPr vert="horz" lIns="91440" tIns="45720" rIns="91440" bIns="45720" rtlCol="0"/>
+          <a:lstStyle>
+            <a:lvl1pPr algn="l">
+              <a:defRPr sz="1200"/>
+            </a:lvl1pPr>
+          </a:lstStyle>
+          <a:p>
+            <a:endParaRPr lang="en-ZA"/>
+          </a:p>
+        </p:txBody>
+      </p:sp>
+      <p:sp>
+        <p:nvSpPr>
+          <p:cNvPr id="3" name="Date Placeholder 2"/>
+          <p:cNvSpPr>
+            <a:spLocks noGrp="1"/>
+          </p:cNvSpPr>
+          <p:nvPr>
+            <p:ph type="dt" idx="1"/>
+          </p:nvPr>
+        </p:nvSpPr>
+        <p:spPr>
+          <a:xfrm>
+            <a:off x="3884613" y="0"/>
+            <a:ext cx="2971800" cy="458788"/>
+          </a:xfrm>
+          <a:prstGeom prst="rect">
+            <a:avLst/>
+          </a:prstGeom>
+        </p:spPr>
+        <p:txBody>
+          <a:bodyPr vert="horz" lIns="91440" tIns="45720" rIns="91440" bIns="45720" rtlCol="0"/>
+          <a:lstStyle>
+            <a:lvl1pPr algn="r">
+              <a:defRPr sz="1200"/>
+            </a:lvl1pPr>
+          </a:lstStyle>
+          <a:p>
+            <a:fld id="{0242819F-3314-4822-BD5D-39DCC83B2217}" type="datetimeFigureOut">
+              <a:rPr lang="en-ZA" smtClean="0"/>
+              <a:t>2021/06/18</a:t>
+            </a:fld>
+            <a:endParaRPr lang="en-ZA"/>
+          </a:p>
+        </p:txBody>
+      </p:sp>
+      <p:sp>
+        <p:nvSpPr>
+          <p:cNvPr id="4" name="Slide Image Placeholder 3"/>
+          <p:cNvSpPr>
+            <a:spLocks noGrp="1" noRot="1" noChangeAspect="1"/>
+          </p:cNvSpPr>
+          <p:nvPr>
+            <p:ph type="sldImg" idx="2"/>
+          </p:nvPr>
+        </p:nvSpPr>
+        <p:spPr>
+          <a:xfrm>
+            <a:off x="685800" y="1143000"/>
+            <a:ext cx="5486400" cy="3086100"/>
+          </a:xfrm>
+          <a:prstGeom prst="rect">
+            <a:avLst/>
+          </a:prstGeom>
+          <a:noFill/>
+          <a:ln w="12700">
+            <a:solidFill>
+              <a:prstClr val="black"/>
+            </a:solidFill>
+          </a:ln>
+        </p:spPr>
+        <p:txBody>
+          <a:bodyPr vert="horz" lIns="91440" tIns="45720" rIns="91440" bIns="45720" rtlCol="0" anchor="ctr"/>
+          <a:lstStyle/>
+          <a:p>
+            <a:endParaRPr lang="en-ZA"/>
+          </a:p>
+        </p:txBody>
+      </p:sp>
+      <p:sp>
+        <p:nvSpPr>
+          <p:cNvPr id="5" name="Notes Placeholder 4"/>
+          <p:cNvSpPr>
+            <a:spLocks noGrp="1"/>
+          </p:cNvSpPr>
+          <p:nvPr>
+            <p:ph type="body" sz="quarter" idx="3"/>
+          </p:nvPr>
+        </p:nvSpPr>
+        <p:spPr>
+          <a:xfrm>
+            <a:off x="685800" y="4400550"/>
+            <a:ext cx="5486400" cy="3600450"/>
+          </a:xfrm>
+          <a:prstGeom prst="rect">
+            <a:avLst/>
+          </a:prstGeom>
+        </p:spPr>
+        <p:txBody>
+          <a:bodyPr vert="horz" lIns="91440" tIns="45720" rIns="91440" bIns="45720" rtlCol="0"/>
+          <a:lstStyle/>
+          <a:p>
+            <a:pPr lvl="0"/>
+            <a:r>
+              <a:rPr lang="en-US" smtClean="0"/>
+              <a:t>Click to edit Master text styles</a:t>
+            </a:r>
+          </a:p>
+          <a:p>
+            <a:pPr lvl="1"/>
+            <a:r>
+              <a:rPr lang="en-US" smtClean="0"/>
+              <a:t>Second level</a:t>
+            </a:r>
+          </a:p>
+          <a:p>
+            <a:pPr lvl="2"/>
+            <a:r>
+              <a:rPr lang="en-US" smtClean="0"/>
+              <a:t>Third level</a:t>
+            </a:r>
+          </a:p>
+          <a:p>
+            <a:pPr lvl="3"/>
+            <a:r>
+              <a:rPr lang="en-US" smtClean="0"/>
+              <a:t>Fourth level</a:t>
+            </a:r>
+          </a:p>
+          <a:p>
+            <a:pPr lvl="4"/>
+            <a:r>
+              <a:rPr lang="en-US" smtClean="0"/>
+              <a:t>Fifth level</a:t>
+            </a:r>
+            <a:endParaRPr lang="en-ZA"/>
+          </a:p>
+        </p:txBody>
+      </p:sp>
+      <p:sp>
+        <p:nvSpPr>
+          <p:cNvPr id="6" name="Footer Placeholder 5"/>
+          <p:cNvSpPr>
+            <a:spLocks noGrp="1"/>
+          </p:cNvSpPr>
+          <p:nvPr>
+            <p:ph type="ftr" sz="quarter" idx="4"/>
+          </p:nvPr>
+        </p:nvSpPr>
+        <p:spPr>
+          <a:xfrm>
+            <a:off x="0" y="8685213"/>
+            <a:ext cx="2971800" cy="458787"/>
+          </a:xfrm>
+          <a:prstGeom prst="rect">
+            <a:avLst/>
+          </a:prstGeom>
+        </p:spPr>
+        <p:txBody>
+          <a:bodyPr vert="horz" lIns="91440" tIns="45720" rIns="91440" bIns="45720" rtlCol="0" anchor="b"/>
+          <a:lstStyle>
+            <a:lvl1pPr algn="l">
+              <a:defRPr sz="1200"/>
+            </a:lvl1pPr>
+          </a:lstStyle>
+          <a:p>
+            <a:endParaRPr lang="en-ZA"/>
+          </a:p>
+        </p:txBody>
+      </p:sp>
+      <p:sp>
+        <p:nvSpPr>
+          <p:cNvPr id="7" name="Slide Number Placeholder 6"/>
+          <p:cNvSpPr>
+            <a:spLocks noGrp="1"/>
+          </p:cNvSpPr>
+          <p:nvPr>
+            <p:ph type="sldNum" sz="quarter" idx="5"/>
+          </p:nvPr>
+        </p:nvSpPr>
+        <p:spPr>
+          <a:xfrm>
+            <a:off x="3884613" y="8685213"/>
+            <a:ext cx="2971800" cy="458787"/>
+          </a:xfrm>
+          <a:prstGeom prst="rect">
+            <a:avLst/>
+          </a:prstGeom>
+        </p:spPr>
+        <p:txBody>
+          <a:bodyPr vert="horz" lIns="91440" tIns="45720" rIns="91440" bIns="45720" rtlCol="0" anchor="b"/>
+          <a:lstStyle>
+            <a:lvl1pPr algn="r">
+              <a:defRPr sz="1200"/>
+            </a:lvl1pPr>
+          </a:lstStyle>
+          <a:p>
+            <a:fld id="{C87949F2-C292-4E84-B1FE-D74C0BA9E42B}" type="slidenum">
+              <a:rPr lang="en-ZA" smtClean="0"/>
+              <a:t>‹#›</a:t>
+            </a:fld>
+            <a:endParaRPr lang="en-ZA"/>
+          </a:p>
+        </p:txBody>
+      </p:sp>
+    </p:spTree>
+    <p:extLst>
+      <p:ext uri="{BB962C8B-B14F-4D97-AF65-F5344CB8AC3E}">
+        <p14:creationId xmlns:p14="http://schemas.microsoft.com/office/powerpoint/2010/main" val="637201937"/>
+      </p:ext>
+    </p:extLst>
+  </p:cSld>
+  <p:clrMap bg1="lt1" tx1="dk1" bg2="lt2" tx2="dk2" accent1="accent1" accent2="accent2" accent3="accent3" accent4="accent4" accent5="accent5" accent6="accent6" hlink="hlink" folHlink="folHlink"/>
+  <p:notesStyle>
+    <a:lvl1pPr marL="0" algn="l" defTabSz="914400" rtl="0" eaLnBrk="1" latinLnBrk="0" hangingPunct="1">
+      <a:defRPr sz="1200" kern="1200">
+        <a:solidFill>
+          <a:schemeClr val="tx1"/>
+        </a:solidFill>
+        <a:latin typeface="+mn-lt"/>
+        <a:ea typeface="+mn-ea"/>
+        <a:cs typeface="+mn-cs"/>
+      </a:defRPr>
+    </a:lvl1pPr>
+    <a:lvl2pPr marL="457200" algn="l" defTabSz="914400" rtl="0" eaLnBrk="1" latinLnBrk="0" hangingPunct="1">
+      <a:defRPr sz="1200" kern="1200">
+        <a:solidFill>
+          <a:schemeClr val="tx1"/>
+        </a:solidFill>
+        <a:latin typeface="+mn-lt"/>
+        <a:ea typeface="+mn-ea"/>
+        <a:cs typeface="+mn-cs"/>
+      </a:defRPr>
+    </a:lvl2pPr>
+    <a:lvl3pPr marL="914400" algn="l" defTabSz="914400" rtl="0" eaLnBrk="1" latinLnBrk="0" hangingPunct="1">
+      <a:defRPr sz="1200" kern="1200">
+        <a:solidFill>
+          <a:schemeClr val="tx1"/>
+        </a:solidFill>
+        <a:latin typeface="+mn-lt"/>
+        <a:ea typeface="+mn-ea"/>
+        <a:cs typeface="+mn-cs"/>
+      </a:defRPr>
+    </a:lvl3pPr>
+    <a:lvl4pPr marL="1371600" algn="l" defTabSz="914400" rtl="0" eaLnBrk="1" latinLnBrk="0" hangingPunct="1">
+      <a:defRPr sz="1200" kern="1200">
+        <a:solidFill>
+          <a:schemeClr val="tx1"/>
+        </a:solidFill>
+        <a:latin typeface="+mn-lt"/>
+        <a:ea typeface="+mn-ea"/>
+        <a:cs typeface="+mn-cs"/>
+      </a:defRPr>
+    </a:lvl4pPr>
+    <a:lvl5pPr marL="1828800" algn="l" defTabSz="914400" rtl="0" eaLnBrk="1" latinLnBrk="0" hangingPunct="1">
+      <a:defRPr sz="1200" kern="1200">
+        <a:solidFill>
+          <a:schemeClr val="tx1"/>
+        </a:solidFill>
+        <a:latin typeface="+mn-lt"/>
+        <a:ea typeface="+mn-ea"/>
+        <a:cs typeface="+mn-cs"/>
+      </a:defRPr>
+    </a:lvl5pPr>
+    <a:lvl6pPr marL="2286000" algn="l" defTabSz="914400" rtl="0" eaLnBrk="1" latinLnBrk="0" hangingPunct="1">
+      <a:defRPr sz="1200" kern="1200">
+        <a:solidFill>
+          <a:schemeClr val="tx1"/>
+        </a:solidFill>
+        <a:latin typeface="+mn-lt"/>
+        <a:ea typeface="+mn-ea"/>
+        <a:cs typeface="+mn-cs"/>
+      </a:defRPr>
+    </a:lvl6pPr>
+    <a:lvl7pPr marL="2743200" algn="l" defTabSz="914400" rtl="0" eaLnBrk="1" latinLnBrk="0" hangingPunct="1">
+      <a:defRPr sz="1200" kern="1200">
+        <a:solidFill>
+          <a:schemeClr val="tx1"/>
+        </a:solidFill>
+        <a:latin typeface="+mn-lt"/>
+        <a:ea typeface="+mn-ea"/>
+        <a:cs typeface="+mn-cs"/>
+      </a:defRPr>
+    </a:lvl7pPr>
+    <a:lvl8pPr marL="3200400" algn="l" defTabSz="914400" rtl="0" eaLnBrk="1" latinLnBrk="0" hangingPunct="1">
+      <a:defRPr sz="1200" kern="1200">
+        <a:solidFill>
+          <a:schemeClr val="tx1"/>
+        </a:solidFill>
+        <a:latin typeface="+mn-lt"/>
+        <a:ea typeface="+mn-ea"/>
+        <a:cs typeface="+mn-cs"/>
+      </a:defRPr>
+    </a:lvl8pPr>
+    <a:lvl9pPr marL="3657600" algn="l" defTabSz="914400" rtl="0" eaLnBrk="1" latinLnBrk="0" hangingPunct="1">
+      <a:defRPr sz="1200" kern="1200">
+        <a:solidFill>
+          <a:schemeClr val="tx1"/>
+        </a:solidFill>
+        <a:latin typeface="+mn-lt"/>
+        <a:ea typeface="+mn-ea"/>
+        <a:cs typeface="+mn-cs"/>
+      </a:defRPr>
+    </a:lvl9pPr>
+  </p:notesStyle>
+</p:notesMaster>
+</file>
+
+<file path=ppt/notesSlides/notesSlide1.xml><?xml version="1.0" encoding="utf-8"?>
+<p:notes xmlns:a="http://schemas.openxmlformats.org/drawingml/2006/main" xmlns:r="http://schemas.openxmlformats.org/officeDocument/2006/relationships" xmlns:p="http://schemas.openxmlformats.org/presentationml/2006/main">
+  <p:cSld>
+    <p:spTree>
+      <p:nvGrpSpPr>
+        <p:cNvPr id="1" name=""/>
+        <p:cNvGrpSpPr/>
+        <p:nvPr/>
+      </p:nvGrpSpPr>
+      <p:grpSpPr>
+        <a:xfrm>
+          <a:off x="0" y="0"/>
+          <a:ext cx="0" cy="0"/>
+          <a:chOff x="0" y="0"/>
+          <a:chExt cx="0" cy="0"/>
+        </a:xfrm>
+      </p:grpSpPr>
+      <p:sp>
+        <p:nvSpPr>
+          <p:cNvPr id="2" name="Slide Image Placeholder 1"/>
+          <p:cNvSpPr>
+            <a:spLocks noGrp="1" noRot="1" noChangeAspect="1"/>
+          </p:cNvSpPr>
+          <p:nvPr>
+            <p:ph type="sldImg"/>
+          </p:nvPr>
+        </p:nvSpPr>
+        <p:spPr/>
+      </p:sp>
+      <p:sp>
+        <p:nvSpPr>
+          <p:cNvPr id="3" name="Notes Placeholder 2"/>
+          <p:cNvSpPr>
+            <a:spLocks noGrp="1"/>
+          </p:cNvSpPr>
+          <p:nvPr>
+            <p:ph type="body" idx="1"/>
+          </p:nvPr>
+        </p:nvSpPr>
+        <p:spPr/>
+        <p:txBody>
+          <a:bodyPr/>
+          <a:lstStyle/>
+          <a:p>
+            <a:endParaRPr lang="en-ZA" dirty="0"/>
+          </a:p>
+        </p:txBody>
+      </p:sp>
+      <p:sp>
+        <p:nvSpPr>
+          <p:cNvPr id="4" name="Slide Number Placeholder 3"/>
+          <p:cNvSpPr>
+            <a:spLocks noGrp="1"/>
+          </p:cNvSpPr>
+          <p:nvPr>
+            <p:ph type="sldNum" sz="quarter" idx="10"/>
+          </p:nvPr>
+        </p:nvSpPr>
+        <p:spPr/>
+        <p:txBody>
+          <a:bodyPr/>
+          <a:lstStyle/>
+          <a:p>
+            <a:fld id="{C87949F2-C292-4E84-B1FE-D74C0BA9E42B}" type="slidenum">
+              <a:rPr lang="en-ZA" smtClean="0"/>
+              <a:t>6</a:t>
+            </a:fld>
+            <a:endParaRPr lang="en-ZA"/>
+          </a:p>
+        </p:txBody>
+      </p:sp>
+    </p:spTree>
+    <p:extLst>
+      <p:ext uri="{BB962C8B-B14F-4D97-AF65-F5344CB8AC3E}">
+        <p14:creationId xmlns:p14="http://schemas.microsoft.com/office/powerpoint/2010/main" val="2867988708"/>
+      </p:ext>
+    </p:extLst>
+  </p:cSld>
+  <p:clrMapOvr>
+    <a:masterClrMapping/>
+  </p:clrMapOvr>
+</p:notes>
 </file>
 
 <file path=ppt/slideLayouts/slideLayout1.xml><?xml version="1.0" encoding="utf-8"?>
@@ -3230,251 +3666,6 @@
                   <a:ea typeface="Fira Code" panose="020B0809050000020004" pitchFamily="49" charset="0"/>
                   <a:cs typeface="Fira Code" panose="020B0809050000020004" pitchFamily="49" charset="0"/>
                 </a:rPr>
-                <a:t>Authentication &amp; Credentials</a:t>
-              </a:r>
-              <a:endParaRPr lang="en-ZA" sz="3600" dirty="0">
-                <a:latin typeface="Fira Code SemiBold" panose="020B0809050000020004" pitchFamily="49" charset="0"/>
-                <a:ea typeface="Fira Code SemiBold" panose="020B0809050000020004" pitchFamily="49" charset="0"/>
-              </a:endParaRPr>
-            </a:p>
-          </p:txBody>
-        </p:sp>
-        <p:sp>
-          <p:nvSpPr>
-            <p:cNvPr id="7" name="Rectangle 6"/>
-            <p:cNvSpPr/>
-            <p:nvPr/>
-          </p:nvSpPr>
-          <p:spPr>
-            <a:xfrm>
-              <a:off x="394941" y="393693"/>
-              <a:ext cx="6789661" cy="1101342"/>
-            </a:xfrm>
-            <a:prstGeom prst="rect">
-              <a:avLst/>
-            </a:prstGeom>
-            <a:noFill/>
-            <a:ln w="57150">
-              <a:solidFill>
-                <a:schemeClr val="bg1">
-                  <a:lumMod val="75000"/>
-                </a:schemeClr>
-              </a:solidFill>
-            </a:ln>
-          </p:spPr>
-          <p:style>
-            <a:lnRef idx="1">
-              <a:schemeClr val="accent1"/>
-            </a:lnRef>
-            <a:fillRef idx="2">
-              <a:schemeClr val="accent1"/>
-            </a:fillRef>
-            <a:effectRef idx="1">
-              <a:schemeClr val="accent1"/>
-            </a:effectRef>
-            <a:fontRef idx="minor">
-              <a:schemeClr val="dk1"/>
-            </a:fontRef>
-          </p:style>
-          <p:txBody>
-            <a:bodyPr rtlCol="0" anchor="ctr"/>
-            <a:lstStyle/>
-            <a:p>
-              <a:pPr algn="ctr"/>
-              <a:endParaRPr lang="en-ZA"/>
-            </a:p>
-          </p:txBody>
-        </p:sp>
-        <p:sp>
-          <p:nvSpPr>
-            <p:cNvPr id="8" name="Rectangle 7"/>
-            <p:cNvSpPr/>
-            <p:nvPr/>
-          </p:nvSpPr>
-          <p:spPr>
-            <a:xfrm>
-              <a:off x="215246" y="188978"/>
-              <a:ext cx="6608830" cy="1072010"/>
-            </a:xfrm>
-            <a:prstGeom prst="rect">
-              <a:avLst/>
-            </a:prstGeom>
-            <a:noFill/>
-            <a:ln w="57150">
-              <a:solidFill>
-                <a:schemeClr val="accent1">
-                  <a:lumMod val="75000"/>
-                </a:schemeClr>
-              </a:solidFill>
-            </a:ln>
-          </p:spPr>
-          <p:style>
-            <a:lnRef idx="1">
-              <a:schemeClr val="accent1"/>
-            </a:lnRef>
-            <a:fillRef idx="2">
-              <a:schemeClr val="accent1"/>
-            </a:fillRef>
-            <a:effectRef idx="1">
-              <a:schemeClr val="accent1"/>
-            </a:effectRef>
-            <a:fontRef idx="minor">
-              <a:schemeClr val="dk1"/>
-            </a:fontRef>
-          </p:style>
-          <p:txBody>
-            <a:bodyPr rtlCol="0" anchor="ctr"/>
-            <a:lstStyle/>
-            <a:p>
-              <a:pPr algn="ctr"/>
-              <a:endParaRPr lang="en-ZA"/>
-            </a:p>
-          </p:txBody>
-        </p:sp>
-      </p:grpSp>
-      <p:sp>
-        <p:nvSpPr>
-          <p:cNvPr id="13" name="TextBox 12"/>
-          <p:cNvSpPr txBox="1"/>
-          <p:nvPr/>
-        </p:nvSpPr>
-        <p:spPr>
-          <a:xfrm>
-            <a:off x="6008914" y="6488668"/>
-            <a:ext cx="6183086" cy="261610"/>
-          </a:xfrm>
-          <a:prstGeom prst="rect">
-            <a:avLst/>
-          </a:prstGeom>
-          <a:noFill/>
-        </p:spPr>
-        <p:txBody>
-          <a:bodyPr wrap="square" rtlCol="0">
-            <a:spAutoFit/>
-          </a:bodyPr>
-          <a:lstStyle/>
-          <a:p>
-            <a:pPr algn="r"/>
-            <a:r>
-              <a:rPr lang="en-US" sz="1100" dirty="0">
-                <a:latin typeface="Fira Code" panose="020B0809050000020004" pitchFamily="49" charset="0"/>
-                <a:ea typeface="Fira Code" panose="020B0809050000020004" pitchFamily="49" charset="0"/>
-                <a:cs typeface="Fira Code" panose="020B0809050000020004" pitchFamily="49" charset="0"/>
-              </a:rPr>
-              <a:t>https://tinyurl.com/yzbvuyeb</a:t>
-            </a:r>
-            <a:endParaRPr lang="en-US" sz="1100" dirty="0" smtClean="0">
-              <a:latin typeface="Fira Code" panose="020B0809050000020004" pitchFamily="49" charset="0"/>
-              <a:ea typeface="Fira Code" panose="020B0809050000020004" pitchFamily="49" charset="0"/>
-              <a:cs typeface="Fira Code" panose="020B0809050000020004" pitchFamily="49" charset="0"/>
-            </a:endParaRPr>
-          </a:p>
-        </p:txBody>
-      </p:sp>
-      <p:pic>
-        <p:nvPicPr>
-          <p:cNvPr id="3" name="Picture 2"/>
-          <p:cNvPicPr>
-            <a:picLocks noChangeAspect="1"/>
-          </p:cNvPicPr>
-          <p:nvPr/>
-        </p:nvPicPr>
-        <p:blipFill>
-          <a:blip r:embed="rId2"/>
-          <a:stretch>
-            <a:fillRect/>
-          </a:stretch>
-        </p:blipFill>
-        <p:spPr>
-          <a:xfrm>
-            <a:off x="215246" y="2020176"/>
-            <a:ext cx="8534400" cy="3943350"/>
-          </a:xfrm>
-          <a:prstGeom prst="rect">
-            <a:avLst/>
-          </a:prstGeom>
-        </p:spPr>
-      </p:pic>
-    </p:spTree>
-    <p:extLst>
-      <p:ext uri="{BB962C8B-B14F-4D97-AF65-F5344CB8AC3E}">
-        <p14:creationId xmlns:p14="http://schemas.microsoft.com/office/powerpoint/2010/main" val="547116952"/>
-      </p:ext>
-    </p:extLst>
-  </p:cSld>
-  <p:clrMapOvr>
-    <a:masterClrMapping/>
-  </p:clrMapOvr>
-  <p:timing>
-    <p:tnLst>
-      <p:par>
-        <p:cTn id="1" dur="indefinite" restart="never" nodeType="tmRoot"/>
-      </p:par>
-    </p:tnLst>
-  </p:timing>
-</p:sld>
-</file>
-
-<file path=ppt/slides/slide11.xml><?xml version="1.0" encoding="utf-8"?>
-<p:sld xmlns:a="http://schemas.openxmlformats.org/drawingml/2006/main" xmlns:r="http://schemas.openxmlformats.org/officeDocument/2006/relationships" xmlns:p="http://schemas.openxmlformats.org/presentationml/2006/main">
-  <p:cSld>
-    <p:spTree>
-      <p:nvGrpSpPr>
-        <p:cNvPr id="1" name=""/>
-        <p:cNvGrpSpPr/>
-        <p:nvPr/>
-      </p:nvGrpSpPr>
-      <p:grpSpPr>
-        <a:xfrm>
-          <a:off x="0" y="0"/>
-          <a:ext cx="0" cy="0"/>
-          <a:chOff x="0" y="0"/>
-          <a:chExt cx="0" cy="0"/>
-        </a:xfrm>
-      </p:grpSpPr>
-      <p:grpSp>
-        <p:nvGrpSpPr>
-          <p:cNvPr id="10" name="Group 9"/>
-          <p:cNvGrpSpPr/>
-          <p:nvPr/>
-        </p:nvGrpSpPr>
-        <p:grpSpPr>
-          <a:xfrm>
-            <a:off x="215246" y="188978"/>
-            <a:ext cx="6969356" cy="1306057"/>
-            <a:chOff x="215246" y="188978"/>
-            <a:chExt cx="6969356" cy="1306057"/>
-          </a:xfrm>
-        </p:grpSpPr>
-        <p:sp>
-          <p:nvSpPr>
-            <p:cNvPr id="6" name="TextBox 5"/>
-            <p:cNvSpPr txBox="1"/>
-            <p:nvPr/>
-          </p:nvSpPr>
-          <p:spPr>
-            <a:xfrm>
-              <a:off x="642140" y="593182"/>
-              <a:ext cx="6002009" cy="461665"/>
-            </a:xfrm>
-            <a:prstGeom prst="rect">
-              <a:avLst/>
-            </a:prstGeom>
-            <a:noFill/>
-          </p:spPr>
-          <p:txBody>
-            <a:bodyPr wrap="square" rtlCol="0">
-              <a:spAutoFit/>
-            </a:bodyPr>
-            <a:lstStyle/>
-            <a:p>
-              <a:pPr algn="ctr"/>
-              <a:r>
-                <a:rPr lang="en-US" sz="2400" b="1" dirty="0" smtClean="0">
-                  <a:latin typeface="Fira Code" panose="020B0809050000020004" pitchFamily="49" charset="0"/>
-                  <a:ea typeface="Fira Code" panose="020B0809050000020004" pitchFamily="49" charset="0"/>
-                  <a:cs typeface="Fira Code" panose="020B0809050000020004" pitchFamily="49" charset="0"/>
-                </a:rPr>
                 <a:t>External Data Sources</a:t>
               </a:r>
               <a:endParaRPr lang="en-ZA" sz="3600" dirty="0">
@@ -3670,11 +3861,6 @@
               </a:rPr>
               <a:t>Disclaimer</a:t>
             </a:r>
-            <a:endParaRPr lang="en-US" b="1" dirty="0" smtClean="0">
-              <a:latin typeface="Fira Code" panose="020B0809050000020004" pitchFamily="49" charset="0"/>
-              <a:ea typeface="Fira Code" panose="020B0809050000020004" pitchFamily="49" charset="0"/>
-              <a:cs typeface="Fira Code" panose="020B0809050000020004" pitchFamily="49" charset="0"/>
-            </a:endParaRPr>
           </a:p>
           <a:p>
             <a:endParaRPr lang="en-US" dirty="0" smtClean="0">
@@ -3760,7 +3946,7 @@
 </p:sld>
 </file>
 
-<file path=ppt/slides/slide12.xml><?xml version="1.0" encoding="utf-8"?>
+<file path=ppt/slides/slide11.xml><?xml version="1.0" encoding="utf-8"?>
 <p:sld xmlns:a="http://schemas.openxmlformats.org/drawingml/2006/main" xmlns:r="http://schemas.openxmlformats.org/officeDocument/2006/relationships" xmlns:p="http://schemas.openxmlformats.org/presentationml/2006/main">
   <p:cSld>
     <p:spTree>
@@ -3991,11 +4177,6 @@
               </a:rPr>
               <a:t>Formats</a:t>
             </a:r>
-            <a:endParaRPr lang="en-US" b="1" dirty="0" smtClean="0">
-              <a:latin typeface="Fira Code" panose="020B0809050000020004" pitchFamily="49" charset="0"/>
-              <a:ea typeface="Fira Code" panose="020B0809050000020004" pitchFamily="49" charset="0"/>
-              <a:cs typeface="Fira Code" panose="020B0809050000020004" pitchFamily="49" charset="0"/>
-            </a:endParaRPr>
           </a:p>
           <a:p>
             <a:endParaRPr lang="en-US" dirty="0" smtClean="0">
@@ -4125,7 +4306,7 @@
 </p:sld>
 </file>
 
-<file path=ppt/slides/slide13.xml><?xml version="1.0" encoding="utf-8"?>
+<file path=ppt/slides/slide12.xml><?xml version="1.0" encoding="utf-8"?>
 <p:sld xmlns:a="http://schemas.openxmlformats.org/drawingml/2006/main" xmlns:r="http://schemas.openxmlformats.org/officeDocument/2006/relationships" xmlns:p="http://schemas.openxmlformats.org/presentationml/2006/main">
   <p:cSld>
     <p:spTree>
@@ -4736,7 +4917,7 @@
 </p:sld>
 </file>
 
-<file path=ppt/slides/slide14.xml><?xml version="1.0" encoding="utf-8"?>
+<file path=ppt/slides/slide13.xml><?xml version="1.0" encoding="utf-8"?>
 <p:sld xmlns:a="http://schemas.openxmlformats.org/drawingml/2006/main" xmlns:r="http://schemas.openxmlformats.org/officeDocument/2006/relationships" xmlns:p="http://schemas.openxmlformats.org/presentationml/2006/main">
   <p:cSld>
     <p:spTree>
@@ -4967,11 +5148,6 @@
               </a:rPr>
               <a:t>Process</a:t>
             </a:r>
-            <a:endParaRPr lang="en-US" b="1" dirty="0" smtClean="0">
-              <a:latin typeface="Fira Code" panose="020B0809050000020004" pitchFamily="49" charset="0"/>
-              <a:ea typeface="Fira Code" panose="020B0809050000020004" pitchFamily="49" charset="0"/>
-              <a:cs typeface="Fira Code" panose="020B0809050000020004" pitchFamily="49" charset="0"/>
-            </a:endParaRPr>
           </a:p>
           <a:p>
             <a:endParaRPr lang="en-US" dirty="0" smtClean="0">
@@ -5105,7 +5281,7 @@
 </p:sld>
 </file>
 
-<file path=ppt/slides/slide15.xml><?xml version="1.0" encoding="utf-8"?>
+<file path=ppt/slides/slide14.xml><?xml version="1.0" encoding="utf-8"?>
 <p:sld xmlns:a="http://schemas.openxmlformats.org/drawingml/2006/main" xmlns:r="http://schemas.openxmlformats.org/officeDocument/2006/relationships" xmlns:p="http://schemas.openxmlformats.org/presentationml/2006/main">
   <p:cSld>
     <p:spTree>
@@ -5336,11 +5512,6 @@
               </a:rPr>
               <a:t>Process</a:t>
             </a:r>
-            <a:endParaRPr lang="en-US" b="1" dirty="0" smtClean="0">
-              <a:latin typeface="Fira Code" panose="020B0809050000020004" pitchFamily="49" charset="0"/>
-              <a:ea typeface="Fira Code" panose="020B0809050000020004" pitchFamily="49" charset="0"/>
-              <a:cs typeface="Fira Code" panose="020B0809050000020004" pitchFamily="49" charset="0"/>
-            </a:endParaRPr>
           </a:p>
           <a:p>
             <a:endParaRPr lang="en-US" dirty="0" smtClean="0">
@@ -5450,7 +5621,7 @@
 </p:sld>
 </file>
 
-<file path=ppt/slides/slide16.xml><?xml version="1.0" encoding="utf-8"?>
+<file path=ppt/slides/slide15.xml><?xml version="1.0" encoding="utf-8"?>
 <p:sld xmlns:a="http://schemas.openxmlformats.org/drawingml/2006/main" xmlns:r="http://schemas.openxmlformats.org/officeDocument/2006/relationships" xmlns:p="http://schemas.openxmlformats.org/presentationml/2006/main">
   <p:cSld>
     <p:spTree>
@@ -5621,7 +5792,7 @@
         <p:spPr>
           <a:xfrm>
             <a:off x="642140" y="1925325"/>
-            <a:ext cx="10821548" cy="2862322"/>
+            <a:ext cx="10821548" cy="646331"/>
           </a:xfrm>
           <a:prstGeom prst="rect">
             <a:avLst/>
@@ -5634,13 +5805,38 @@
           </a:bodyPr>
           <a:lstStyle/>
           <a:p>
+            <a:r>
+              <a:rPr lang="en-US" dirty="0" err="1" smtClean="0">
+                <a:latin typeface="Fira Code" panose="020B0809050000020004" pitchFamily="49" charset="0"/>
+                <a:ea typeface="Fira Code" panose="020B0809050000020004" pitchFamily="49" charset="0"/>
+                <a:cs typeface="Fira Code" panose="020B0809050000020004" pitchFamily="49" charset="0"/>
+              </a:rPr>
+              <a:t>Github</a:t>
+            </a:r>
             <a:r>
               <a:rPr lang="en-US" dirty="0" smtClean="0">
                 <a:latin typeface="Fira Code" panose="020B0809050000020004" pitchFamily="49" charset="0"/>
                 <a:ea typeface="Fira Code" panose="020B0809050000020004" pitchFamily="49" charset="0"/>
                 <a:cs typeface="Fira Code" panose="020B0809050000020004" pitchFamily="49" charset="0"/>
               </a:rPr>
-              <a:t>Red-gate University - </a:t>
+              <a:t> Link </a:t>
+            </a:r>
+            <a:r>
+              <a:rPr lang="en-US" dirty="0">
+                <a:latin typeface="Fira Code" panose="020B0809050000020004" pitchFamily="49" charset="0"/>
+                <a:ea typeface="Fira Code" panose="020B0809050000020004" pitchFamily="49" charset="0"/>
+                <a:cs typeface="Fira Code" panose="020B0809050000020004" pitchFamily="49" charset="0"/>
+              </a:rPr>
+              <a:t>to Presentation: </a:t>
+            </a:r>
+            <a:r>
+              <a:rPr lang="en-US" dirty="0">
+                <a:latin typeface="Fira Code" panose="020B0809050000020004" pitchFamily="49" charset="0"/>
+                <a:ea typeface="Fira Code" panose="020B0809050000020004" pitchFamily="49" charset="0"/>
+                <a:cs typeface="Fira Code" panose="020B0809050000020004" pitchFamily="49" charset="0"/>
+                <a:hlinkClick r:id="rId2"/>
+              </a:rPr>
+              <a:t>https://</a:t>
             </a:r>
             <a:r>
               <a:rPr lang="en-US" dirty="0" smtClean="0">
@@ -5649,164 +5845,7 @@
                 <a:cs typeface="Fira Code" panose="020B0809050000020004" pitchFamily="49" charset="0"/>
                 <a:hlinkClick r:id="rId2"/>
               </a:rPr>
-              <a:t>https</a:t>
-            </a:r>
-            <a:r>
-              <a:rPr lang="en-US" dirty="0">
-                <a:latin typeface="Fira Code" panose="020B0809050000020004" pitchFamily="49" charset="0"/>
-                <a:ea typeface="Fira Code" panose="020B0809050000020004" pitchFamily="49" charset="0"/>
-                <a:cs typeface="Fira Code" panose="020B0809050000020004" pitchFamily="49" charset="0"/>
-                <a:hlinkClick r:id="rId2"/>
-              </a:rPr>
-              <a:t>://</a:t>
-            </a:r>
-            <a:r>
-              <a:rPr lang="en-US" dirty="0" smtClean="0">
-                <a:latin typeface="Fira Code" panose="020B0809050000020004" pitchFamily="49" charset="0"/>
-                <a:ea typeface="Fira Code" panose="020B0809050000020004" pitchFamily="49" charset="0"/>
-                <a:cs typeface="Fira Code" panose="020B0809050000020004" pitchFamily="49" charset="0"/>
-                <a:hlinkClick r:id="rId2"/>
-              </a:rPr>
-              <a:t>github.com/LitKnd/TSQLBeginners</a:t>
-            </a:r>
-            <a:endParaRPr lang="en-US" dirty="0" smtClean="0">
-              <a:latin typeface="Fira Code" panose="020B0809050000020004" pitchFamily="49" charset="0"/>
-              <a:ea typeface="Fira Code" panose="020B0809050000020004" pitchFamily="49" charset="0"/>
-              <a:cs typeface="Fira Code" panose="020B0809050000020004" pitchFamily="49" charset="0"/>
-            </a:endParaRPr>
-          </a:p>
-          <a:p>
-            <a:endParaRPr lang="en-US" dirty="0" smtClean="0">
-              <a:latin typeface="Fira Code" panose="020B0809050000020004" pitchFamily="49" charset="0"/>
-              <a:ea typeface="Fira Code" panose="020B0809050000020004" pitchFamily="49" charset="0"/>
-              <a:cs typeface="Fira Code" panose="020B0809050000020004" pitchFamily="49" charset="0"/>
-            </a:endParaRPr>
-          </a:p>
-          <a:p>
-            <a:r>
-              <a:rPr lang="en-US" dirty="0">
-                <a:latin typeface="Fira Code" panose="020B0809050000020004" pitchFamily="49" charset="0"/>
-                <a:ea typeface="Fira Code" panose="020B0809050000020004" pitchFamily="49" charset="0"/>
-                <a:cs typeface="Fira Code" panose="020B0809050000020004" pitchFamily="49" charset="0"/>
-              </a:rPr>
-              <a:t>W3schools - </a:t>
-            </a:r>
-            <a:r>
-              <a:rPr lang="en-US" dirty="0">
-                <a:latin typeface="Fira Code" panose="020B0809050000020004" pitchFamily="49" charset="0"/>
-                <a:ea typeface="Fira Code" panose="020B0809050000020004" pitchFamily="49" charset="0"/>
-                <a:cs typeface="Fira Code" panose="020B0809050000020004" pitchFamily="49" charset="0"/>
-                <a:hlinkClick r:id="rId3"/>
-              </a:rPr>
-              <a:t>https://</a:t>
-            </a:r>
-            <a:r>
-              <a:rPr lang="en-US" dirty="0" smtClean="0">
-                <a:latin typeface="Fira Code" panose="020B0809050000020004" pitchFamily="49" charset="0"/>
-                <a:ea typeface="Fira Code" panose="020B0809050000020004" pitchFamily="49" charset="0"/>
-                <a:cs typeface="Fira Code" panose="020B0809050000020004" pitchFamily="49" charset="0"/>
-                <a:hlinkClick r:id="rId3"/>
-              </a:rPr>
-              <a:t>www.w3schools.com/sql/default.asp</a:t>
-            </a:r>
-            <a:endParaRPr lang="en-US" dirty="0" smtClean="0">
-              <a:latin typeface="Fira Code" panose="020B0809050000020004" pitchFamily="49" charset="0"/>
-              <a:ea typeface="Fira Code" panose="020B0809050000020004" pitchFamily="49" charset="0"/>
-              <a:cs typeface="Fira Code" panose="020B0809050000020004" pitchFamily="49" charset="0"/>
-            </a:endParaRPr>
-          </a:p>
-          <a:p>
-            <a:endParaRPr lang="en-US" dirty="0" smtClean="0">
-              <a:latin typeface="Fira Code" panose="020B0809050000020004" pitchFamily="49" charset="0"/>
-              <a:ea typeface="Fira Code" panose="020B0809050000020004" pitchFamily="49" charset="0"/>
-              <a:cs typeface="Fira Code" panose="020B0809050000020004" pitchFamily="49" charset="0"/>
-            </a:endParaRPr>
-          </a:p>
-          <a:p>
-            <a:r>
-              <a:rPr lang="en-US" dirty="0" err="1" smtClean="0">
-                <a:latin typeface="Fira Code" panose="020B0809050000020004" pitchFamily="49" charset="0"/>
-                <a:ea typeface="Fira Code" panose="020B0809050000020004" pitchFamily="49" charset="0"/>
-                <a:cs typeface="Fira Code" panose="020B0809050000020004" pitchFamily="49" charset="0"/>
-              </a:rPr>
-              <a:t>Datacamp</a:t>
-            </a:r>
-            <a:r>
-              <a:rPr lang="en-US" dirty="0">
-                <a:latin typeface="Fira Code" panose="020B0809050000020004" pitchFamily="49" charset="0"/>
-                <a:ea typeface="Fira Code" panose="020B0809050000020004" pitchFamily="49" charset="0"/>
-                <a:cs typeface="Fira Code" panose="020B0809050000020004" pitchFamily="49" charset="0"/>
-              </a:rPr>
-              <a:t> - </a:t>
-            </a:r>
-            <a:r>
-              <a:rPr lang="en-US" dirty="0">
-                <a:latin typeface="Fira Code" panose="020B0809050000020004" pitchFamily="49" charset="0"/>
-                <a:ea typeface="Fira Code" panose="020B0809050000020004" pitchFamily="49" charset="0"/>
-                <a:cs typeface="Fira Code" panose="020B0809050000020004" pitchFamily="49" charset="0"/>
-                <a:hlinkClick r:id="rId4"/>
-              </a:rPr>
-              <a:t>https://www.datacamp.com/courses/introduction-to-sql-server</a:t>
-            </a:r>
-            <a:r>
-              <a:rPr lang="en-US" dirty="0" smtClean="0">
-                <a:latin typeface="Fira Code" panose="020B0809050000020004" pitchFamily="49" charset="0"/>
-                <a:ea typeface="Fira Code" panose="020B0809050000020004" pitchFamily="49" charset="0"/>
-                <a:cs typeface="Fira Code" panose="020B0809050000020004" pitchFamily="49" charset="0"/>
-                <a:hlinkClick r:id="rId4"/>
-              </a:rPr>
-              <a:t>#</a:t>
-            </a:r>
-            <a:r>
-              <a:rPr lang="en-US" dirty="0" smtClean="0">
-                <a:latin typeface="Fira Code" panose="020B0809050000020004" pitchFamily="49" charset="0"/>
-                <a:ea typeface="Fira Code" panose="020B0809050000020004" pitchFamily="49" charset="0"/>
-                <a:cs typeface="Fira Code" panose="020B0809050000020004" pitchFamily="49" charset="0"/>
-              </a:rPr>
-              <a:t>!</a:t>
-            </a:r>
-          </a:p>
-          <a:p>
-            <a:endParaRPr lang="en-US" dirty="0">
-              <a:latin typeface="Fira Code" panose="020B0809050000020004" pitchFamily="49" charset="0"/>
-              <a:ea typeface="Fira Code" panose="020B0809050000020004" pitchFamily="49" charset="0"/>
-              <a:cs typeface="Fira Code" panose="020B0809050000020004" pitchFamily="49" charset="0"/>
-            </a:endParaRPr>
-          </a:p>
-          <a:p>
-            <a:r>
-              <a:rPr lang="en-US" dirty="0" err="1" smtClean="0">
-                <a:latin typeface="Fira Code" panose="020B0809050000020004" pitchFamily="49" charset="0"/>
-                <a:ea typeface="Fira Code" panose="020B0809050000020004" pitchFamily="49" charset="0"/>
-                <a:cs typeface="Fira Code" panose="020B0809050000020004" pitchFamily="49" charset="0"/>
-              </a:rPr>
-              <a:t>TutorialRepublic</a:t>
-            </a:r>
-            <a:r>
-              <a:rPr lang="en-US" dirty="0">
-                <a:latin typeface="Fira Code" panose="020B0809050000020004" pitchFamily="49" charset="0"/>
-                <a:ea typeface="Fira Code" panose="020B0809050000020004" pitchFamily="49" charset="0"/>
-                <a:cs typeface="Fira Code" panose="020B0809050000020004" pitchFamily="49" charset="0"/>
-              </a:rPr>
-              <a:t> - </a:t>
-            </a:r>
-            <a:r>
-              <a:rPr lang="en-US" dirty="0">
-                <a:latin typeface="Fira Code" panose="020B0809050000020004" pitchFamily="49" charset="0"/>
-                <a:ea typeface="Fira Code" panose="020B0809050000020004" pitchFamily="49" charset="0"/>
-                <a:cs typeface="Fira Code" panose="020B0809050000020004" pitchFamily="49" charset="0"/>
-                <a:hlinkClick r:id="rId5"/>
-              </a:rPr>
-              <a:t>https://www.tutorialrepublic.com/sql-tutorial</a:t>
-            </a:r>
-            <a:r>
-              <a:rPr lang="en-US" dirty="0" smtClean="0">
-                <a:latin typeface="Fira Code" panose="020B0809050000020004" pitchFamily="49" charset="0"/>
-                <a:ea typeface="Fira Code" panose="020B0809050000020004" pitchFamily="49" charset="0"/>
-                <a:cs typeface="Fira Code" panose="020B0809050000020004" pitchFamily="49" charset="0"/>
-                <a:hlinkClick r:id="rId5"/>
-              </a:rPr>
-              <a:t>/</a:t>
+              <a:t>tinyurl.com/nvfmwfrb</a:t>
             </a:r>
             <a:r>
               <a:rPr lang="en-US" dirty="0" smtClean="0">
@@ -5816,20 +5855,6 @@
               </a:rPr>
               <a:t> </a:t>
             </a:r>
-          </a:p>
-          <a:p>
-            <a:endParaRPr lang="en-US" dirty="0" smtClean="0">
-              <a:latin typeface="Fira Code" panose="020B0809050000020004" pitchFamily="49" charset="0"/>
-              <a:ea typeface="Fira Code" panose="020B0809050000020004" pitchFamily="49" charset="0"/>
-              <a:cs typeface="Fira Code" panose="020B0809050000020004" pitchFamily="49" charset="0"/>
-            </a:endParaRPr>
-          </a:p>
-          <a:p>
-            <a:endParaRPr lang="en-US" b="1" dirty="0" smtClean="0">
-              <a:latin typeface="Fira Code" panose="020B0809050000020004" pitchFamily="49" charset="0"/>
-              <a:ea typeface="Fira Code" panose="020B0809050000020004" pitchFamily="49" charset="0"/>
-              <a:cs typeface="Fira Code" panose="020B0809050000020004" pitchFamily="49" charset="0"/>
-            </a:endParaRPr>
           </a:p>
           <a:p>
             <a:endParaRPr lang="en-US" b="1" dirty="0">
@@ -5899,7 +5924,7 @@
 </p:sld>
 </file>
 
-<file path=ppt/slides/slide17.xml><?xml version="1.0" encoding="utf-8"?>
+<file path=ppt/slides/slide16.xml><?xml version="1.0" encoding="utf-8"?>
 <p:sld xmlns:a="http://schemas.openxmlformats.org/drawingml/2006/main" xmlns:r="http://schemas.openxmlformats.org/officeDocument/2006/relationships" xmlns:p="http://schemas.openxmlformats.org/presentationml/2006/main">
   <p:cSld>
     <p:spTree>
@@ -6176,721 +6201,6 @@
 </file>
 
 <file path=ppt/slides/slide2.xml><?xml version="1.0" encoding="utf-8"?>
-<p:sld xmlns:a="http://schemas.openxmlformats.org/drawingml/2006/main" xmlns:r="http://schemas.openxmlformats.org/officeDocument/2006/relationships" xmlns:p="http://schemas.openxmlformats.org/presentationml/2006/main">
-  <p:cSld>
-    <p:spTree>
-      <p:nvGrpSpPr>
-        <p:cNvPr id="1" name=""/>
-        <p:cNvGrpSpPr/>
-        <p:nvPr/>
-      </p:nvGrpSpPr>
-      <p:grpSpPr>
-        <a:xfrm>
-          <a:off x="0" y="0"/>
-          <a:ext cx="0" cy="0"/>
-          <a:chOff x="0" y="0"/>
-          <a:chExt cx="0" cy="0"/>
-        </a:xfrm>
-      </p:grpSpPr>
-      <p:cxnSp>
-        <p:nvCxnSpPr>
-          <p:cNvPr id="3" name="Straight Connector 2"/>
-          <p:cNvCxnSpPr/>
-          <p:nvPr/>
-        </p:nvCxnSpPr>
-        <p:spPr>
-          <a:xfrm flipH="1">
-            <a:off x="4007047" y="2322871"/>
-            <a:ext cx="10680" cy="4373557"/>
-          </a:xfrm>
-          <a:prstGeom prst="line">
-            <a:avLst/>
-          </a:prstGeom>
-          <a:ln w="57150"/>
-        </p:spPr>
-        <p:style>
-          <a:lnRef idx="1">
-            <a:schemeClr val="accent1"/>
-          </a:lnRef>
-          <a:fillRef idx="0">
-            <a:schemeClr val="accent1"/>
-          </a:fillRef>
-          <a:effectRef idx="0">
-            <a:schemeClr val="accent1"/>
-          </a:effectRef>
-          <a:fontRef idx="minor">
-            <a:schemeClr val="tx1"/>
-          </a:fontRef>
-        </p:style>
-      </p:cxnSp>
-      <p:grpSp>
-        <p:nvGrpSpPr>
-          <p:cNvPr id="10" name="Group 9"/>
-          <p:cNvGrpSpPr/>
-          <p:nvPr/>
-        </p:nvGrpSpPr>
-        <p:grpSpPr>
-          <a:xfrm>
-            <a:off x="215246" y="188978"/>
-            <a:ext cx="6969356" cy="1306057"/>
-            <a:chOff x="215246" y="188978"/>
-            <a:chExt cx="6969356" cy="1306057"/>
-          </a:xfrm>
-        </p:grpSpPr>
-        <p:sp>
-          <p:nvSpPr>
-            <p:cNvPr id="6" name="TextBox 5"/>
-            <p:cNvSpPr txBox="1"/>
-            <p:nvPr/>
-          </p:nvSpPr>
-          <p:spPr>
-            <a:xfrm>
-              <a:off x="642140" y="593182"/>
-              <a:ext cx="6002009" cy="523220"/>
-            </a:xfrm>
-            <a:prstGeom prst="rect">
-              <a:avLst/>
-            </a:prstGeom>
-            <a:noFill/>
-          </p:spPr>
-          <p:txBody>
-            <a:bodyPr wrap="square" rtlCol="0">
-              <a:spAutoFit/>
-            </a:bodyPr>
-            <a:lstStyle/>
-            <a:p>
-              <a:pPr algn="ctr"/>
-              <a:r>
-                <a:rPr lang="en-US" sz="2800" dirty="0" smtClean="0">
-                  <a:latin typeface="Fira Code SemiBold" panose="020B0809050000020004" pitchFamily="49" charset="0"/>
-                  <a:ea typeface="Fira Code SemiBold" panose="020B0809050000020004" pitchFamily="49" charset="0"/>
-                </a:rPr>
-                <a:t>Agenda</a:t>
-              </a:r>
-              <a:endParaRPr lang="en-ZA" sz="4000" dirty="0">
-                <a:latin typeface="Fira Code SemiBold" panose="020B0809050000020004" pitchFamily="49" charset="0"/>
-                <a:ea typeface="Fira Code SemiBold" panose="020B0809050000020004" pitchFamily="49" charset="0"/>
-              </a:endParaRPr>
-            </a:p>
-          </p:txBody>
-        </p:sp>
-        <p:sp>
-          <p:nvSpPr>
-            <p:cNvPr id="7" name="Rectangle 6"/>
-            <p:cNvSpPr/>
-            <p:nvPr/>
-          </p:nvSpPr>
-          <p:spPr>
-            <a:xfrm>
-              <a:off x="394941" y="393693"/>
-              <a:ext cx="6789661" cy="1101342"/>
-            </a:xfrm>
-            <a:prstGeom prst="rect">
-              <a:avLst/>
-            </a:prstGeom>
-            <a:noFill/>
-            <a:ln w="57150">
-              <a:solidFill>
-                <a:schemeClr val="bg1">
-                  <a:lumMod val="75000"/>
-                </a:schemeClr>
-              </a:solidFill>
-            </a:ln>
-          </p:spPr>
-          <p:style>
-            <a:lnRef idx="1">
-              <a:schemeClr val="accent1"/>
-            </a:lnRef>
-            <a:fillRef idx="2">
-              <a:schemeClr val="accent1"/>
-            </a:fillRef>
-            <a:effectRef idx="1">
-              <a:schemeClr val="accent1"/>
-            </a:effectRef>
-            <a:fontRef idx="minor">
-              <a:schemeClr val="dk1"/>
-            </a:fontRef>
-          </p:style>
-          <p:txBody>
-            <a:bodyPr rtlCol="0" anchor="ctr"/>
-            <a:lstStyle/>
-            <a:p>
-              <a:pPr algn="ctr"/>
-              <a:endParaRPr lang="en-ZA"/>
-            </a:p>
-          </p:txBody>
-        </p:sp>
-        <p:sp>
-          <p:nvSpPr>
-            <p:cNvPr id="8" name="Rectangle 7"/>
-            <p:cNvSpPr/>
-            <p:nvPr/>
-          </p:nvSpPr>
-          <p:spPr>
-            <a:xfrm>
-              <a:off x="215246" y="188978"/>
-              <a:ext cx="6608830" cy="1072010"/>
-            </a:xfrm>
-            <a:prstGeom prst="rect">
-              <a:avLst/>
-            </a:prstGeom>
-            <a:noFill/>
-            <a:ln w="57150">
-              <a:solidFill>
-                <a:schemeClr val="accent1">
-                  <a:lumMod val="75000"/>
-                </a:schemeClr>
-              </a:solidFill>
-            </a:ln>
-          </p:spPr>
-          <p:style>
-            <a:lnRef idx="1">
-              <a:schemeClr val="accent1"/>
-            </a:lnRef>
-            <a:fillRef idx="2">
-              <a:schemeClr val="accent1"/>
-            </a:fillRef>
-            <a:effectRef idx="1">
-              <a:schemeClr val="accent1"/>
-            </a:effectRef>
-            <a:fontRef idx="minor">
-              <a:schemeClr val="dk1"/>
-            </a:fontRef>
-          </p:style>
-          <p:txBody>
-            <a:bodyPr rtlCol="0" anchor="ctr"/>
-            <a:lstStyle/>
-            <a:p>
-              <a:pPr algn="ctr"/>
-              <a:endParaRPr lang="en-ZA"/>
-            </a:p>
-          </p:txBody>
-        </p:sp>
-      </p:grpSp>
-      <p:cxnSp>
-        <p:nvCxnSpPr>
-          <p:cNvPr id="11" name="Straight Connector 10"/>
-          <p:cNvCxnSpPr/>
-          <p:nvPr/>
-        </p:nvCxnSpPr>
-        <p:spPr>
-          <a:xfrm flipH="1">
-            <a:off x="8237376" y="2322870"/>
-            <a:ext cx="10680" cy="4373557"/>
-          </a:xfrm>
-          <a:prstGeom prst="line">
-            <a:avLst/>
-          </a:prstGeom>
-          <a:ln w="57150"/>
-        </p:spPr>
-        <p:style>
-          <a:lnRef idx="1">
-            <a:schemeClr val="accent1"/>
-          </a:lnRef>
-          <a:fillRef idx="0">
-            <a:schemeClr val="accent1"/>
-          </a:fillRef>
-          <a:effectRef idx="0">
-            <a:schemeClr val="accent1"/>
-          </a:effectRef>
-          <a:fontRef idx="minor">
-            <a:schemeClr val="tx1"/>
-          </a:fontRef>
-        </p:style>
-      </p:cxnSp>
-      <p:sp>
-        <p:nvSpPr>
-          <p:cNvPr id="12" name="TextBox 11"/>
-          <p:cNvSpPr txBox="1"/>
-          <p:nvPr/>
-        </p:nvSpPr>
-        <p:spPr>
-          <a:xfrm>
-            <a:off x="339213" y="2573594"/>
-            <a:ext cx="3303931" cy="3693319"/>
-          </a:xfrm>
-          <a:prstGeom prst="rect">
-            <a:avLst/>
-          </a:prstGeom>
-          <a:noFill/>
-        </p:spPr>
-        <p:txBody>
-          <a:bodyPr wrap="square" rtlCol="0">
-            <a:spAutoFit/>
-          </a:bodyPr>
-          <a:lstStyle/>
-          <a:p>
-            <a:r>
-              <a:rPr lang="en-US" b="1" dirty="0" smtClean="0">
-                <a:latin typeface="Fira Code" panose="020B0809050000020004" pitchFamily="49" charset="0"/>
-                <a:ea typeface="Fira Code" panose="020B0809050000020004" pitchFamily="49" charset="0"/>
-                <a:cs typeface="Fira Code" panose="020B0809050000020004" pitchFamily="49" charset="0"/>
-              </a:rPr>
-              <a:t>Tools of the Trade</a:t>
-            </a:r>
-            <a:br>
-              <a:rPr lang="en-US" b="1" dirty="0" smtClean="0">
-                <a:latin typeface="Fira Code" panose="020B0809050000020004" pitchFamily="49" charset="0"/>
-                <a:ea typeface="Fira Code" panose="020B0809050000020004" pitchFamily="49" charset="0"/>
-                <a:cs typeface="Fira Code" panose="020B0809050000020004" pitchFamily="49" charset="0"/>
-              </a:rPr>
-            </a:br>
-            <a:endParaRPr lang="en-US" b="1" dirty="0" smtClean="0">
-              <a:latin typeface="Fira Code" panose="020B0809050000020004" pitchFamily="49" charset="0"/>
-              <a:ea typeface="Fira Code" panose="020B0809050000020004" pitchFamily="49" charset="0"/>
-              <a:cs typeface="Fira Code" panose="020B0809050000020004" pitchFamily="49" charset="0"/>
-            </a:endParaRPr>
-          </a:p>
-          <a:p>
-            <a:pPr marL="342900" indent="-342900">
-              <a:buFont typeface="+mj-lt"/>
-              <a:buAutoNum type="arabicPeriod"/>
-            </a:pPr>
-            <a:r>
-              <a:rPr lang="en-US" dirty="0" smtClean="0">
-                <a:latin typeface="Fira Code" panose="020B0809050000020004" pitchFamily="49" charset="0"/>
-                <a:ea typeface="Fira Code" panose="020B0809050000020004" pitchFamily="49" charset="0"/>
-                <a:cs typeface="Fira Code" panose="020B0809050000020004" pitchFamily="49" charset="0"/>
-              </a:rPr>
-              <a:t>Cloud vs On-Premise</a:t>
-            </a:r>
-          </a:p>
-          <a:p>
-            <a:pPr marL="342900" indent="-342900">
-              <a:buFont typeface="+mj-lt"/>
-              <a:buAutoNum type="arabicPeriod"/>
-            </a:pPr>
-            <a:r>
-              <a:rPr lang="en-US" dirty="0" smtClean="0">
-                <a:latin typeface="Fira Code" panose="020B0809050000020004" pitchFamily="49" charset="0"/>
-                <a:ea typeface="Fira Code" panose="020B0809050000020004" pitchFamily="49" charset="0"/>
-                <a:cs typeface="Fira Code" panose="020B0809050000020004" pitchFamily="49" charset="0"/>
-              </a:rPr>
-              <a:t>Tools of the Trade (IDE)</a:t>
-            </a:r>
-          </a:p>
-          <a:p>
-            <a:pPr marL="800100" lvl="1" indent="-342900">
-              <a:buFont typeface="+mj-lt"/>
-              <a:buAutoNum type="arabicPeriod"/>
-            </a:pPr>
-            <a:r>
-              <a:rPr lang="en-US" dirty="0" smtClean="0">
-                <a:latin typeface="Fira Code" panose="020B0809050000020004" pitchFamily="49" charset="0"/>
-                <a:ea typeface="Fira Code" panose="020B0809050000020004" pitchFamily="49" charset="0"/>
-                <a:cs typeface="Fira Code" panose="020B0809050000020004" pitchFamily="49" charset="0"/>
-              </a:rPr>
-              <a:t>SSMS</a:t>
-            </a:r>
-          </a:p>
-          <a:p>
-            <a:pPr marL="800100" lvl="1" indent="-342900">
-              <a:buFont typeface="+mj-lt"/>
-              <a:buAutoNum type="arabicPeriod"/>
-            </a:pPr>
-            <a:r>
-              <a:rPr lang="en-US" dirty="0" smtClean="0">
-                <a:latin typeface="Fira Code" panose="020B0809050000020004" pitchFamily="49" charset="0"/>
-                <a:ea typeface="Fira Code" panose="020B0809050000020004" pitchFamily="49" charset="0"/>
-                <a:cs typeface="Fira Code" panose="020B0809050000020004" pitchFamily="49" charset="0"/>
-              </a:rPr>
-              <a:t>ADS</a:t>
-            </a:r>
-          </a:p>
-          <a:p>
-            <a:pPr marL="800100" lvl="1" indent="-342900">
-              <a:buFont typeface="+mj-lt"/>
-              <a:buAutoNum type="arabicPeriod"/>
-            </a:pPr>
-            <a:r>
-              <a:rPr lang="en-US" dirty="0" smtClean="0">
-                <a:latin typeface="Fira Code" panose="020B0809050000020004" pitchFamily="49" charset="0"/>
-                <a:ea typeface="Fira Code" panose="020B0809050000020004" pitchFamily="49" charset="0"/>
-                <a:cs typeface="Fira Code" panose="020B0809050000020004" pitchFamily="49" charset="0"/>
-              </a:rPr>
-              <a:t>VS Code</a:t>
-            </a:r>
-          </a:p>
-          <a:p>
-            <a:pPr marL="800100" lvl="1" indent="-342900">
-              <a:buFont typeface="+mj-lt"/>
-              <a:buAutoNum type="arabicPeriod"/>
-            </a:pPr>
-            <a:r>
-              <a:rPr lang="en-US" dirty="0" smtClean="0">
-                <a:latin typeface="Fira Code" panose="020B0809050000020004" pitchFamily="49" charset="0"/>
-                <a:ea typeface="Fira Code" panose="020B0809050000020004" pitchFamily="49" charset="0"/>
-                <a:cs typeface="Fira Code" panose="020B0809050000020004" pitchFamily="49" charset="0"/>
-              </a:rPr>
-              <a:t>Other</a:t>
-            </a:r>
-          </a:p>
-          <a:p>
-            <a:pPr marL="342900" indent="-342900">
-              <a:buFont typeface="+mj-lt"/>
-              <a:buAutoNum type="arabicPeriod"/>
-            </a:pPr>
-            <a:r>
-              <a:rPr lang="en-US" dirty="0" smtClean="0">
-                <a:latin typeface="Fira Code" panose="020B0809050000020004" pitchFamily="49" charset="0"/>
-                <a:ea typeface="Fira Code" panose="020B0809050000020004" pitchFamily="49" charset="0"/>
-                <a:cs typeface="Fira Code" panose="020B0809050000020004" pitchFamily="49" charset="0"/>
-              </a:rPr>
-              <a:t>How to start writing code</a:t>
-            </a:r>
-          </a:p>
-          <a:p>
-            <a:pPr marL="800100" lvl="1" indent="-342900">
-              <a:buFont typeface="+mj-lt"/>
-              <a:buAutoNum type="arabicPeriod"/>
-            </a:pPr>
-            <a:r>
-              <a:rPr lang="en-US" dirty="0" smtClean="0">
-                <a:latin typeface="Fira Code" panose="020B0809050000020004" pitchFamily="49" charset="0"/>
-                <a:ea typeface="Fira Code" panose="020B0809050000020004" pitchFamily="49" charset="0"/>
-                <a:cs typeface="Fira Code" panose="020B0809050000020004" pitchFamily="49" charset="0"/>
-              </a:rPr>
-              <a:t>Queries</a:t>
-            </a:r>
-          </a:p>
-          <a:p>
-            <a:pPr marL="800100" lvl="1" indent="-342900">
-              <a:buFont typeface="+mj-lt"/>
-              <a:buAutoNum type="arabicPeriod"/>
-            </a:pPr>
-            <a:r>
-              <a:rPr lang="en-US" dirty="0" smtClean="0">
-                <a:latin typeface="Fira Code" panose="020B0809050000020004" pitchFamily="49" charset="0"/>
-                <a:ea typeface="Fira Code" panose="020B0809050000020004" pitchFamily="49" charset="0"/>
-                <a:cs typeface="Fira Code" panose="020B0809050000020004" pitchFamily="49" charset="0"/>
-              </a:rPr>
-              <a:t>Notebooks</a:t>
-            </a:r>
-            <a:endParaRPr lang="en-ZA" dirty="0">
-              <a:latin typeface="Fira Code" panose="020B0809050000020004" pitchFamily="49" charset="0"/>
-              <a:ea typeface="Fira Code" panose="020B0809050000020004" pitchFamily="49" charset="0"/>
-              <a:cs typeface="Fira Code" panose="020B0809050000020004" pitchFamily="49" charset="0"/>
-            </a:endParaRPr>
-          </a:p>
-        </p:txBody>
-      </p:sp>
-      <p:sp>
-        <p:nvSpPr>
-          <p:cNvPr id="13" name="TextBox 12"/>
-          <p:cNvSpPr txBox="1"/>
-          <p:nvPr/>
-        </p:nvSpPr>
-        <p:spPr>
-          <a:xfrm>
-            <a:off x="4381630" y="2573594"/>
-            <a:ext cx="3303931" cy="2585323"/>
-          </a:xfrm>
-          <a:prstGeom prst="rect">
-            <a:avLst/>
-          </a:prstGeom>
-          <a:noFill/>
-        </p:spPr>
-        <p:txBody>
-          <a:bodyPr wrap="square" rtlCol="0">
-            <a:spAutoFit/>
-          </a:bodyPr>
-          <a:lstStyle/>
-          <a:p>
-            <a:r>
-              <a:rPr lang="en-US" b="1" dirty="0" smtClean="0">
-                <a:latin typeface="Fira Code" panose="020B0809050000020004" pitchFamily="49" charset="0"/>
-                <a:ea typeface="Fira Code" panose="020B0809050000020004" pitchFamily="49" charset="0"/>
-                <a:cs typeface="Fira Code" panose="020B0809050000020004" pitchFamily="49" charset="0"/>
-              </a:rPr>
-              <a:t>Introduction to T-SQL</a:t>
-            </a:r>
-            <a:br>
-              <a:rPr lang="en-US" b="1" dirty="0" smtClean="0">
-                <a:latin typeface="Fira Code" panose="020B0809050000020004" pitchFamily="49" charset="0"/>
-                <a:ea typeface="Fira Code" panose="020B0809050000020004" pitchFamily="49" charset="0"/>
-                <a:cs typeface="Fira Code" panose="020B0809050000020004" pitchFamily="49" charset="0"/>
-              </a:rPr>
-            </a:br>
-            <a:endParaRPr lang="en-US" b="1" dirty="0" smtClean="0">
-              <a:latin typeface="Fira Code" panose="020B0809050000020004" pitchFamily="49" charset="0"/>
-              <a:ea typeface="Fira Code" panose="020B0809050000020004" pitchFamily="49" charset="0"/>
-              <a:cs typeface="Fira Code" panose="020B0809050000020004" pitchFamily="49" charset="0"/>
-            </a:endParaRPr>
-          </a:p>
-          <a:p>
-            <a:pPr marL="342900" indent="-342900">
-              <a:buFont typeface="+mj-lt"/>
-              <a:buAutoNum type="arabicPeriod"/>
-            </a:pPr>
-            <a:r>
-              <a:rPr lang="en-US" dirty="0" smtClean="0">
-                <a:latin typeface="Fira Code" panose="020B0809050000020004" pitchFamily="49" charset="0"/>
-                <a:ea typeface="Fira Code" panose="020B0809050000020004" pitchFamily="49" charset="0"/>
-                <a:cs typeface="Fira Code" panose="020B0809050000020004" pitchFamily="49" charset="0"/>
-              </a:rPr>
-              <a:t>Database Objects</a:t>
-            </a:r>
-          </a:p>
-          <a:p>
-            <a:pPr marL="342900" indent="-342900">
-              <a:buFont typeface="+mj-lt"/>
-              <a:buAutoNum type="arabicPeriod"/>
-            </a:pPr>
-            <a:r>
-              <a:rPr lang="en-US" dirty="0" smtClean="0">
-                <a:latin typeface="Fira Code" panose="020B0809050000020004" pitchFamily="49" charset="0"/>
-                <a:ea typeface="Fira Code" panose="020B0809050000020004" pitchFamily="49" charset="0"/>
-                <a:cs typeface="Fira Code" panose="020B0809050000020004" pitchFamily="49" charset="0"/>
-              </a:rPr>
-              <a:t>Working with data</a:t>
-            </a:r>
-          </a:p>
-          <a:p>
-            <a:pPr marL="800100" lvl="1" indent="-342900">
-              <a:buFont typeface="+mj-lt"/>
-              <a:buAutoNum type="arabicPeriod"/>
-            </a:pPr>
-            <a:r>
-              <a:rPr lang="en-US" dirty="0" smtClean="0">
-                <a:latin typeface="Fira Code" panose="020B0809050000020004" pitchFamily="49" charset="0"/>
-                <a:ea typeface="Fira Code" panose="020B0809050000020004" pitchFamily="49" charset="0"/>
-                <a:cs typeface="Fira Code" panose="020B0809050000020004" pitchFamily="49" charset="0"/>
-              </a:rPr>
-              <a:t>Selecting</a:t>
-            </a:r>
-          </a:p>
-          <a:p>
-            <a:pPr marL="800100" lvl="1" indent="-342900">
-              <a:buFont typeface="+mj-lt"/>
-              <a:buAutoNum type="arabicPeriod"/>
-            </a:pPr>
-            <a:r>
-              <a:rPr lang="en-US" dirty="0" smtClean="0">
-                <a:latin typeface="Fira Code" panose="020B0809050000020004" pitchFamily="49" charset="0"/>
-                <a:ea typeface="Fira Code" panose="020B0809050000020004" pitchFamily="49" charset="0"/>
-                <a:cs typeface="Fira Code" panose="020B0809050000020004" pitchFamily="49" charset="0"/>
-              </a:rPr>
-              <a:t>Filtering</a:t>
-            </a:r>
-          </a:p>
-          <a:p>
-            <a:pPr marL="800100" lvl="1" indent="-342900">
-              <a:buFont typeface="+mj-lt"/>
-              <a:buAutoNum type="arabicPeriod"/>
-            </a:pPr>
-            <a:r>
-              <a:rPr lang="en-US" dirty="0">
-                <a:latin typeface="Fira Code" panose="020B0809050000020004" pitchFamily="49" charset="0"/>
-                <a:ea typeface="Fira Code" panose="020B0809050000020004" pitchFamily="49" charset="0"/>
-                <a:cs typeface="Fira Code" panose="020B0809050000020004" pitchFamily="49" charset="0"/>
-              </a:rPr>
-              <a:t>Ordering</a:t>
-            </a:r>
-            <a:endParaRPr lang="en-ZA" dirty="0">
-              <a:latin typeface="Fira Code" panose="020B0809050000020004" pitchFamily="49" charset="0"/>
-              <a:ea typeface="Fira Code" panose="020B0809050000020004" pitchFamily="49" charset="0"/>
-              <a:cs typeface="Fira Code" panose="020B0809050000020004" pitchFamily="49" charset="0"/>
-            </a:endParaRPr>
-          </a:p>
-          <a:p>
-            <a:pPr marL="800100" lvl="1" indent="-342900">
-              <a:buFont typeface="+mj-lt"/>
-              <a:buAutoNum type="arabicPeriod"/>
-            </a:pPr>
-            <a:r>
-              <a:rPr lang="en-US" dirty="0" smtClean="0">
-                <a:latin typeface="Fira Code" panose="020B0809050000020004" pitchFamily="49" charset="0"/>
-                <a:ea typeface="Fira Code" panose="020B0809050000020004" pitchFamily="49" charset="0"/>
-                <a:cs typeface="Fira Code" panose="020B0809050000020004" pitchFamily="49" charset="0"/>
-              </a:rPr>
-              <a:t>Grouping</a:t>
-            </a:r>
-          </a:p>
-          <a:p>
-            <a:pPr marL="800100" lvl="1" indent="-342900">
-              <a:buFont typeface="+mj-lt"/>
-              <a:buAutoNum type="arabicPeriod"/>
-            </a:pPr>
-            <a:r>
-              <a:rPr lang="en-US" dirty="0" smtClean="0">
-                <a:latin typeface="Fira Code" panose="020B0809050000020004" pitchFamily="49" charset="0"/>
-                <a:ea typeface="Fira Code" panose="020B0809050000020004" pitchFamily="49" charset="0"/>
-                <a:cs typeface="Fira Code" panose="020B0809050000020004" pitchFamily="49" charset="0"/>
-              </a:rPr>
-              <a:t>Modifying</a:t>
-            </a:r>
-          </a:p>
-        </p:txBody>
-      </p:sp>
-      <p:sp>
-        <p:nvSpPr>
-          <p:cNvPr id="14" name="TextBox 13"/>
-          <p:cNvSpPr txBox="1"/>
-          <p:nvPr/>
-        </p:nvSpPr>
-        <p:spPr>
-          <a:xfrm>
-            <a:off x="8600715" y="2573594"/>
-            <a:ext cx="3303931" cy="3416320"/>
-          </a:xfrm>
-          <a:prstGeom prst="rect">
-            <a:avLst/>
-          </a:prstGeom>
-          <a:noFill/>
-        </p:spPr>
-        <p:txBody>
-          <a:bodyPr wrap="square" rtlCol="0">
-            <a:spAutoFit/>
-          </a:bodyPr>
-          <a:lstStyle/>
-          <a:p>
-            <a:r>
-              <a:rPr lang="en-US" b="1" dirty="0" smtClean="0">
-                <a:latin typeface="Fira Code" panose="020B0809050000020004" pitchFamily="49" charset="0"/>
-                <a:ea typeface="Fira Code" panose="020B0809050000020004" pitchFamily="49" charset="0"/>
-                <a:cs typeface="Fira Code" panose="020B0809050000020004" pitchFamily="49" charset="0"/>
-              </a:rPr>
-              <a:t>Multiple datasets</a:t>
-            </a:r>
-            <a:br>
-              <a:rPr lang="en-US" b="1" dirty="0" smtClean="0">
-                <a:latin typeface="Fira Code" panose="020B0809050000020004" pitchFamily="49" charset="0"/>
-                <a:ea typeface="Fira Code" panose="020B0809050000020004" pitchFamily="49" charset="0"/>
-                <a:cs typeface="Fira Code" panose="020B0809050000020004" pitchFamily="49" charset="0"/>
-              </a:rPr>
-            </a:br>
-            <a:endParaRPr lang="en-US" b="1" dirty="0" smtClean="0">
-              <a:latin typeface="Fira Code" panose="020B0809050000020004" pitchFamily="49" charset="0"/>
-              <a:ea typeface="Fira Code" panose="020B0809050000020004" pitchFamily="49" charset="0"/>
-              <a:cs typeface="Fira Code" panose="020B0809050000020004" pitchFamily="49" charset="0"/>
-            </a:endParaRPr>
-          </a:p>
-          <a:p>
-            <a:pPr marL="342900" indent="-342900">
-              <a:buFont typeface="+mj-lt"/>
-              <a:buAutoNum type="arabicPeriod"/>
-            </a:pPr>
-            <a:r>
-              <a:rPr lang="en-US" dirty="0" smtClean="0">
-                <a:latin typeface="Fira Code" panose="020B0809050000020004" pitchFamily="49" charset="0"/>
-                <a:ea typeface="Fira Code" panose="020B0809050000020004" pitchFamily="49" charset="0"/>
-                <a:cs typeface="Fira Code" panose="020B0809050000020004" pitchFamily="49" charset="0"/>
-              </a:rPr>
-              <a:t>Working with Multiple datasets</a:t>
-            </a:r>
-          </a:p>
-          <a:p>
-            <a:pPr marL="800100" lvl="1" indent="-342900">
-              <a:buFont typeface="+mj-lt"/>
-              <a:buAutoNum type="arabicPeriod"/>
-            </a:pPr>
-            <a:r>
-              <a:rPr lang="en-US" dirty="0" smtClean="0">
-                <a:latin typeface="Fira Code" panose="020B0809050000020004" pitchFamily="49" charset="0"/>
-                <a:ea typeface="Fira Code" panose="020B0809050000020004" pitchFamily="49" charset="0"/>
-                <a:cs typeface="Fira Code" panose="020B0809050000020004" pitchFamily="49" charset="0"/>
-              </a:rPr>
-              <a:t>Joining</a:t>
-            </a:r>
-          </a:p>
-          <a:p>
-            <a:pPr marL="800100" lvl="1" indent="-342900">
-              <a:buFont typeface="+mj-lt"/>
-              <a:buAutoNum type="arabicPeriod"/>
-            </a:pPr>
-            <a:r>
-              <a:rPr lang="en-US" dirty="0" smtClean="0">
-                <a:latin typeface="Fira Code" panose="020B0809050000020004" pitchFamily="49" charset="0"/>
-                <a:ea typeface="Fira Code" panose="020B0809050000020004" pitchFamily="49" charset="0"/>
-                <a:cs typeface="Fira Code" panose="020B0809050000020004" pitchFamily="49" charset="0"/>
-              </a:rPr>
-              <a:t>SET Operations</a:t>
-            </a:r>
-          </a:p>
-          <a:p>
-            <a:pPr marL="342900" indent="-342900">
-              <a:buFont typeface="+mj-lt"/>
-              <a:buAutoNum type="arabicPeriod"/>
-            </a:pPr>
-            <a:r>
-              <a:rPr lang="en-US" dirty="0" smtClean="0">
-                <a:latin typeface="Fira Code" panose="020B0809050000020004" pitchFamily="49" charset="0"/>
-                <a:ea typeface="Fira Code" panose="020B0809050000020004" pitchFamily="49" charset="0"/>
-                <a:cs typeface="Fira Code" panose="020B0809050000020004" pitchFamily="49" charset="0"/>
-              </a:rPr>
-              <a:t>Building processes</a:t>
-            </a:r>
-          </a:p>
-          <a:p>
-            <a:pPr marL="800100" lvl="1" indent="-342900">
-              <a:buFont typeface="+mj-lt"/>
-              <a:buAutoNum type="arabicPeriod"/>
-            </a:pPr>
-            <a:r>
-              <a:rPr lang="en-US" dirty="0" smtClean="0">
-                <a:latin typeface="Fira Code" panose="020B0809050000020004" pitchFamily="49" charset="0"/>
-                <a:ea typeface="Fira Code" panose="020B0809050000020004" pitchFamily="49" charset="0"/>
-                <a:cs typeface="Fira Code" panose="020B0809050000020004" pitchFamily="49" charset="0"/>
-              </a:rPr>
-              <a:t>Views and Procedures</a:t>
-            </a:r>
-          </a:p>
-          <a:p>
-            <a:pPr marL="342900" indent="-342900">
-              <a:buFont typeface="+mj-lt"/>
-              <a:buAutoNum type="arabicPeriod"/>
-            </a:pPr>
-            <a:r>
-              <a:rPr lang="en-US" dirty="0" smtClean="0">
-                <a:latin typeface="Fira Code" panose="020B0809050000020004" pitchFamily="49" charset="0"/>
-                <a:ea typeface="Fira Code" panose="020B0809050000020004" pitchFamily="49" charset="0"/>
-                <a:cs typeface="Fira Code" panose="020B0809050000020004" pitchFamily="49" charset="0"/>
-              </a:rPr>
-              <a:t>Data Modification</a:t>
-            </a:r>
-          </a:p>
-          <a:p>
-            <a:pPr marL="342900" indent="-342900">
-              <a:buFont typeface="+mj-lt"/>
-              <a:buAutoNum type="arabicPeriod"/>
-            </a:pPr>
-            <a:r>
-              <a:rPr lang="en-US" dirty="0" smtClean="0">
-                <a:latin typeface="Fira Code" panose="020B0809050000020004" pitchFamily="49" charset="0"/>
-                <a:ea typeface="Fira Code" panose="020B0809050000020004" pitchFamily="49" charset="0"/>
-                <a:cs typeface="Fira Code" panose="020B0809050000020004" pitchFamily="49" charset="0"/>
-              </a:rPr>
-              <a:t>Analytical Functions</a:t>
-            </a:r>
-            <a:endParaRPr lang="en-ZA" dirty="0">
-              <a:latin typeface="Fira Code" panose="020B0809050000020004" pitchFamily="49" charset="0"/>
-              <a:ea typeface="Fira Code" panose="020B0809050000020004" pitchFamily="49" charset="0"/>
-              <a:cs typeface="Fira Code" panose="020B0809050000020004" pitchFamily="49" charset="0"/>
-            </a:endParaRPr>
-          </a:p>
-        </p:txBody>
-      </p:sp>
-    </p:spTree>
-    <p:extLst>
-      <p:ext uri="{BB962C8B-B14F-4D97-AF65-F5344CB8AC3E}">
-        <p14:creationId xmlns:p14="http://schemas.microsoft.com/office/powerpoint/2010/main" val="226037114"/>
-      </p:ext>
-    </p:extLst>
-  </p:cSld>
-  <p:clrMapOvr>
-    <a:masterClrMapping/>
-  </p:clrMapOvr>
-  <p:timing>
-    <p:tnLst>
-      <p:par>
-        <p:cTn id="1" dur="indefinite" restart="never" nodeType="tmRoot"/>
-      </p:par>
-    </p:tnLst>
-  </p:timing>
-</p:sld>
-</file>
-
-<file path=ppt/slides/slide3.xml><?xml version="1.0" encoding="utf-8"?>
 <p:sld xmlns:a="http://schemas.openxmlformats.org/drawingml/2006/main" xmlns:r="http://schemas.openxmlformats.org/officeDocument/2006/relationships" xmlns:p="http://schemas.openxmlformats.org/presentationml/2006/main">
   <p:cSld>
     <p:spTree>
@@ -7340,7 +6650,7 @@
 </p:sld>
 </file>
 
-<file path=ppt/slides/slide4.xml><?xml version="1.0" encoding="utf-8"?>
+<file path=ppt/slides/slide3.xml><?xml version="1.0" encoding="utf-8"?>
 <p:sld xmlns:a="http://schemas.openxmlformats.org/drawingml/2006/main" xmlns:r="http://schemas.openxmlformats.org/officeDocument/2006/relationships" xmlns:p="http://schemas.openxmlformats.org/presentationml/2006/main">
   <p:cSld>
     <p:spTree>
@@ -7602,7 +6912,7 @@
 </p:sld>
 </file>
 
-<file path=ppt/slides/slide5.xml><?xml version="1.0" encoding="utf-8"?>
+<file path=ppt/slides/slide4.xml><?xml version="1.0" encoding="utf-8"?>
 <p:sld xmlns:a="http://schemas.openxmlformats.org/drawingml/2006/main" xmlns:r="http://schemas.openxmlformats.org/officeDocument/2006/relationships" xmlns:p="http://schemas.openxmlformats.org/presentationml/2006/main">
   <p:cSld>
     <p:spTree>
@@ -8213,414 +7523,7 @@
 </p:sld>
 </file>
 
-<file path=ppt/slides/slide6.xml><?xml version="1.0" encoding="utf-8"?>
-<p:sld xmlns:a="http://schemas.openxmlformats.org/drawingml/2006/main" xmlns:r="http://schemas.openxmlformats.org/officeDocument/2006/relationships" xmlns:p="http://schemas.openxmlformats.org/presentationml/2006/main">
-  <p:cSld>
-    <p:spTree>
-      <p:nvGrpSpPr>
-        <p:cNvPr id="1" name=""/>
-        <p:cNvGrpSpPr/>
-        <p:nvPr/>
-      </p:nvGrpSpPr>
-      <p:grpSpPr>
-        <a:xfrm>
-          <a:off x="0" y="0"/>
-          <a:ext cx="0" cy="0"/>
-          <a:chOff x="0" y="0"/>
-          <a:chExt cx="0" cy="0"/>
-        </a:xfrm>
-      </p:grpSpPr>
-      <p:grpSp>
-        <p:nvGrpSpPr>
-          <p:cNvPr id="10" name="Group 9"/>
-          <p:cNvGrpSpPr/>
-          <p:nvPr/>
-        </p:nvGrpSpPr>
-        <p:grpSpPr>
-          <a:xfrm>
-            <a:off x="215246" y="188978"/>
-            <a:ext cx="6969356" cy="1306057"/>
-            <a:chOff x="215246" y="188978"/>
-            <a:chExt cx="6969356" cy="1306057"/>
-          </a:xfrm>
-        </p:grpSpPr>
-        <p:sp>
-          <p:nvSpPr>
-            <p:cNvPr id="6" name="TextBox 5"/>
-            <p:cNvSpPr txBox="1"/>
-            <p:nvPr/>
-          </p:nvSpPr>
-          <p:spPr>
-            <a:xfrm>
-              <a:off x="642140" y="593182"/>
-              <a:ext cx="6002009" cy="523220"/>
-            </a:xfrm>
-            <a:prstGeom prst="rect">
-              <a:avLst/>
-            </a:prstGeom>
-            <a:noFill/>
-          </p:spPr>
-          <p:txBody>
-            <a:bodyPr wrap="square" rtlCol="0">
-              <a:spAutoFit/>
-            </a:bodyPr>
-            <a:lstStyle/>
-            <a:p>
-              <a:pPr algn="ctr"/>
-              <a:r>
-                <a:rPr lang="en-US" sz="2800" b="1" dirty="0" smtClean="0">
-                  <a:latin typeface="Fira Code" panose="020B0809050000020004" pitchFamily="49" charset="0"/>
-                  <a:ea typeface="Fira Code" panose="020B0809050000020004" pitchFamily="49" charset="0"/>
-                  <a:cs typeface="Fira Code" panose="020B0809050000020004" pitchFamily="49" charset="0"/>
-                </a:rPr>
-                <a:t>Tools of the Trade</a:t>
-              </a:r>
-              <a:endParaRPr lang="en-ZA" sz="4000" dirty="0">
-                <a:latin typeface="Fira Code SemiBold" panose="020B0809050000020004" pitchFamily="49" charset="0"/>
-                <a:ea typeface="Fira Code SemiBold" panose="020B0809050000020004" pitchFamily="49" charset="0"/>
-              </a:endParaRPr>
-            </a:p>
-          </p:txBody>
-        </p:sp>
-        <p:sp>
-          <p:nvSpPr>
-            <p:cNvPr id="7" name="Rectangle 6"/>
-            <p:cNvSpPr/>
-            <p:nvPr/>
-          </p:nvSpPr>
-          <p:spPr>
-            <a:xfrm>
-              <a:off x="394941" y="393693"/>
-              <a:ext cx="6789661" cy="1101342"/>
-            </a:xfrm>
-            <a:prstGeom prst="rect">
-              <a:avLst/>
-            </a:prstGeom>
-            <a:noFill/>
-            <a:ln w="57150">
-              <a:solidFill>
-                <a:schemeClr val="bg1">
-                  <a:lumMod val="75000"/>
-                </a:schemeClr>
-              </a:solidFill>
-            </a:ln>
-          </p:spPr>
-          <p:style>
-            <a:lnRef idx="1">
-              <a:schemeClr val="accent1"/>
-            </a:lnRef>
-            <a:fillRef idx="2">
-              <a:schemeClr val="accent1"/>
-            </a:fillRef>
-            <a:effectRef idx="1">
-              <a:schemeClr val="accent1"/>
-            </a:effectRef>
-            <a:fontRef idx="minor">
-              <a:schemeClr val="dk1"/>
-            </a:fontRef>
-          </p:style>
-          <p:txBody>
-            <a:bodyPr rtlCol="0" anchor="ctr"/>
-            <a:lstStyle/>
-            <a:p>
-              <a:pPr algn="ctr"/>
-              <a:endParaRPr lang="en-ZA"/>
-            </a:p>
-          </p:txBody>
-        </p:sp>
-        <p:sp>
-          <p:nvSpPr>
-            <p:cNvPr id="8" name="Rectangle 7"/>
-            <p:cNvSpPr/>
-            <p:nvPr/>
-          </p:nvSpPr>
-          <p:spPr>
-            <a:xfrm>
-              <a:off x="215246" y="188978"/>
-              <a:ext cx="6608830" cy="1072010"/>
-            </a:xfrm>
-            <a:prstGeom prst="rect">
-              <a:avLst/>
-            </a:prstGeom>
-            <a:noFill/>
-            <a:ln w="57150">
-              <a:solidFill>
-                <a:schemeClr val="accent1">
-                  <a:lumMod val="75000"/>
-                </a:schemeClr>
-              </a:solidFill>
-            </a:ln>
-          </p:spPr>
-          <p:style>
-            <a:lnRef idx="1">
-              <a:schemeClr val="accent1"/>
-            </a:lnRef>
-            <a:fillRef idx="2">
-              <a:schemeClr val="accent1"/>
-            </a:fillRef>
-            <a:effectRef idx="1">
-              <a:schemeClr val="accent1"/>
-            </a:effectRef>
-            <a:fontRef idx="minor">
-              <a:schemeClr val="dk1"/>
-            </a:fontRef>
-          </p:style>
-          <p:txBody>
-            <a:bodyPr rtlCol="0" anchor="ctr"/>
-            <a:lstStyle/>
-            <a:p>
-              <a:pPr algn="ctr"/>
-              <a:endParaRPr lang="en-ZA"/>
-            </a:p>
-          </p:txBody>
-        </p:sp>
-      </p:grpSp>
-      <p:sp>
-        <p:nvSpPr>
-          <p:cNvPr id="17" name="TextBox 16"/>
-          <p:cNvSpPr txBox="1"/>
-          <p:nvPr/>
-        </p:nvSpPr>
-        <p:spPr>
-          <a:xfrm>
-            <a:off x="642140" y="1925325"/>
-            <a:ext cx="6542462" cy="3139321"/>
-          </a:xfrm>
-          <a:prstGeom prst="rect">
-            <a:avLst/>
-          </a:prstGeom>
-          <a:noFill/>
-        </p:spPr>
-        <p:txBody>
-          <a:bodyPr wrap="square" rtlCol="0">
-            <a:spAutoFit/>
-          </a:bodyPr>
-          <a:lstStyle/>
-          <a:p>
-            <a:r>
-              <a:rPr lang="en-US" b="1" dirty="0" smtClean="0">
-                <a:latin typeface="Fira Code" panose="020B0809050000020004" pitchFamily="49" charset="0"/>
-                <a:ea typeface="Fira Code" panose="020B0809050000020004" pitchFamily="49" charset="0"/>
-                <a:cs typeface="Fira Code" panose="020B0809050000020004" pitchFamily="49" charset="0"/>
-              </a:rPr>
-              <a:t>Installing and Downloading </a:t>
-            </a:r>
-          </a:p>
-          <a:p>
-            <a:r>
-              <a:rPr lang="en-US" b="1" dirty="0" smtClean="0">
-                <a:latin typeface="Fira Code" panose="020B0809050000020004" pitchFamily="49" charset="0"/>
-                <a:ea typeface="Fira Code" panose="020B0809050000020004" pitchFamily="49" charset="0"/>
-                <a:cs typeface="Fira Code" panose="020B0809050000020004" pitchFamily="49" charset="0"/>
-              </a:rPr>
-              <a:t>SQL Server Express</a:t>
-            </a:r>
-          </a:p>
-          <a:p>
-            <a:endParaRPr lang="en-US" dirty="0" smtClean="0">
-              <a:latin typeface="Fira Code" panose="020B0809050000020004" pitchFamily="49" charset="0"/>
-              <a:ea typeface="Fira Code" panose="020B0809050000020004" pitchFamily="49" charset="0"/>
-              <a:cs typeface="Fira Code" panose="020B0809050000020004" pitchFamily="49" charset="0"/>
-            </a:endParaRPr>
-          </a:p>
-          <a:p>
-            <a:r>
-              <a:rPr lang="en-US" dirty="0">
-                <a:latin typeface="Fira Code" panose="020B0809050000020004" pitchFamily="49" charset="0"/>
-                <a:ea typeface="Fira Code" panose="020B0809050000020004" pitchFamily="49" charset="0"/>
-                <a:cs typeface="Fira Code" panose="020B0809050000020004" pitchFamily="49" charset="0"/>
-                <a:hlinkClick r:id="rId2"/>
-              </a:rPr>
-              <a:t>https://</a:t>
-            </a:r>
-            <a:r>
-              <a:rPr lang="en-US" dirty="0" smtClean="0">
-                <a:latin typeface="Fira Code" panose="020B0809050000020004" pitchFamily="49" charset="0"/>
-                <a:ea typeface="Fira Code" panose="020B0809050000020004" pitchFamily="49" charset="0"/>
-                <a:cs typeface="Fira Code" panose="020B0809050000020004" pitchFamily="49" charset="0"/>
-                <a:hlinkClick r:id="rId2"/>
-              </a:rPr>
-              <a:t>tinyurl.com/y6y8csu3</a:t>
-            </a:r>
-            <a:endParaRPr lang="en-US" dirty="0" smtClean="0">
-              <a:latin typeface="Fira Code" panose="020B0809050000020004" pitchFamily="49" charset="0"/>
-              <a:ea typeface="Fira Code" panose="020B0809050000020004" pitchFamily="49" charset="0"/>
-              <a:cs typeface="Fira Code" panose="020B0809050000020004" pitchFamily="49" charset="0"/>
-            </a:endParaRPr>
-          </a:p>
-          <a:p>
-            <a:endParaRPr lang="en-US" dirty="0">
-              <a:latin typeface="Fira Code" panose="020B0809050000020004" pitchFamily="49" charset="0"/>
-              <a:ea typeface="Fira Code" panose="020B0809050000020004" pitchFamily="49" charset="0"/>
-              <a:cs typeface="Fira Code" panose="020B0809050000020004" pitchFamily="49" charset="0"/>
-            </a:endParaRPr>
-          </a:p>
-          <a:p>
-            <a:r>
-              <a:rPr lang="en-US" b="1" dirty="0" smtClean="0">
-                <a:latin typeface="Fira Code" panose="020B0809050000020004" pitchFamily="49" charset="0"/>
-                <a:ea typeface="Fira Code" panose="020B0809050000020004" pitchFamily="49" charset="0"/>
-                <a:cs typeface="Fira Code" panose="020B0809050000020004" pitchFamily="49" charset="0"/>
-              </a:rPr>
-              <a:t>Editions</a:t>
-            </a:r>
-          </a:p>
-          <a:p>
-            <a:pPr marL="285750" indent="-285750">
-              <a:buFont typeface="Arial" panose="020B0604020202020204" pitchFamily="34" charset="0"/>
-              <a:buChar char="•"/>
-            </a:pPr>
-            <a:r>
-              <a:rPr lang="en-US" dirty="0" smtClean="0">
-                <a:latin typeface="Fira Code" panose="020B0809050000020004" pitchFamily="49" charset="0"/>
-                <a:ea typeface="Fira Code" panose="020B0809050000020004" pitchFamily="49" charset="0"/>
-                <a:cs typeface="Fira Code" panose="020B0809050000020004" pitchFamily="49" charset="0"/>
-              </a:rPr>
-              <a:t>Express</a:t>
-            </a:r>
-          </a:p>
-          <a:p>
-            <a:pPr marL="285750" indent="-285750">
-              <a:buFont typeface="Arial" panose="020B0604020202020204" pitchFamily="34" charset="0"/>
-              <a:buChar char="•"/>
-            </a:pPr>
-            <a:r>
-              <a:rPr lang="en-US" dirty="0" smtClean="0">
-                <a:latin typeface="Fira Code" panose="020B0809050000020004" pitchFamily="49" charset="0"/>
-                <a:ea typeface="Fira Code" panose="020B0809050000020004" pitchFamily="49" charset="0"/>
-                <a:cs typeface="Fira Code" panose="020B0809050000020004" pitchFamily="49" charset="0"/>
-              </a:rPr>
-              <a:t>Web</a:t>
-            </a:r>
-          </a:p>
-          <a:p>
-            <a:pPr marL="285750" indent="-285750">
-              <a:buFont typeface="Arial" panose="020B0604020202020204" pitchFamily="34" charset="0"/>
-              <a:buChar char="•"/>
-            </a:pPr>
-            <a:r>
-              <a:rPr lang="en-US" dirty="0" smtClean="0">
-                <a:latin typeface="Fira Code" panose="020B0809050000020004" pitchFamily="49" charset="0"/>
-                <a:ea typeface="Fira Code" panose="020B0809050000020004" pitchFamily="49" charset="0"/>
-                <a:cs typeface="Fira Code" panose="020B0809050000020004" pitchFamily="49" charset="0"/>
-              </a:rPr>
-              <a:t>Standard</a:t>
-            </a:r>
-          </a:p>
-          <a:p>
-            <a:pPr marL="285750" indent="-285750">
-              <a:buFont typeface="Arial" panose="020B0604020202020204" pitchFamily="34" charset="0"/>
-              <a:buChar char="•"/>
-            </a:pPr>
-            <a:r>
-              <a:rPr lang="en-US" dirty="0" smtClean="0">
-                <a:latin typeface="Fira Code" panose="020B0809050000020004" pitchFamily="49" charset="0"/>
-                <a:ea typeface="Fira Code" panose="020B0809050000020004" pitchFamily="49" charset="0"/>
-                <a:cs typeface="Fira Code" panose="020B0809050000020004" pitchFamily="49" charset="0"/>
-              </a:rPr>
-              <a:t>Enterprise</a:t>
-            </a:r>
-          </a:p>
-          <a:p>
-            <a:pPr marL="285750" indent="-285750">
-              <a:buFont typeface="Arial" panose="020B0604020202020204" pitchFamily="34" charset="0"/>
-              <a:buChar char="•"/>
-            </a:pPr>
-            <a:r>
-              <a:rPr lang="en-US" dirty="0" smtClean="0">
-                <a:latin typeface="Fira Code" panose="020B0809050000020004" pitchFamily="49" charset="0"/>
-                <a:ea typeface="Fira Code" panose="020B0809050000020004" pitchFamily="49" charset="0"/>
-                <a:cs typeface="Fira Code" panose="020B0809050000020004" pitchFamily="49" charset="0"/>
-              </a:rPr>
-              <a:t>Developer</a:t>
-            </a:r>
-          </a:p>
-        </p:txBody>
-      </p:sp>
-      <p:pic>
-        <p:nvPicPr>
-          <p:cNvPr id="2" name="Picture 1"/>
-          <p:cNvPicPr>
-            <a:picLocks/>
-          </p:cNvPicPr>
-          <p:nvPr/>
-        </p:nvPicPr>
-        <p:blipFill>
-          <a:blip r:embed="rId3"/>
-          <a:stretch>
-            <a:fillRect/>
-          </a:stretch>
-        </p:blipFill>
-        <p:spPr>
-          <a:xfrm>
-            <a:off x="5760000" y="1620000"/>
-            <a:ext cx="5760000" cy="4680000"/>
-          </a:xfrm>
-          <a:prstGeom prst="rect">
-            <a:avLst/>
-          </a:prstGeom>
-        </p:spPr>
-      </p:pic>
-      <p:sp>
-        <p:nvSpPr>
-          <p:cNvPr id="13" name="TextBox 12"/>
-          <p:cNvSpPr txBox="1"/>
-          <p:nvPr/>
-        </p:nvSpPr>
-        <p:spPr>
-          <a:xfrm>
-            <a:off x="6008914" y="6488668"/>
-            <a:ext cx="6183086" cy="261610"/>
-          </a:xfrm>
-          <a:prstGeom prst="rect">
-            <a:avLst/>
-          </a:prstGeom>
-          <a:noFill/>
-        </p:spPr>
-        <p:txBody>
-          <a:bodyPr wrap="square" rtlCol="0">
-            <a:spAutoFit/>
-          </a:bodyPr>
-          <a:lstStyle/>
-          <a:p>
-            <a:pPr algn="r"/>
-            <a:r>
-              <a:rPr lang="en-US" sz="1100" dirty="0">
-                <a:latin typeface="Fira Code" panose="020B0809050000020004" pitchFamily="49" charset="0"/>
-                <a:ea typeface="Fira Code" panose="020B0809050000020004" pitchFamily="49" charset="0"/>
-                <a:cs typeface="Fira Code" panose="020B0809050000020004" pitchFamily="49" charset="0"/>
-              </a:rPr>
-              <a:t>https://tinyurl.com/yzbvuyeb</a:t>
-            </a:r>
-            <a:endParaRPr lang="en-US" sz="1100" dirty="0" smtClean="0">
-              <a:latin typeface="Fira Code" panose="020B0809050000020004" pitchFamily="49" charset="0"/>
-              <a:ea typeface="Fira Code" panose="020B0809050000020004" pitchFamily="49" charset="0"/>
-              <a:cs typeface="Fira Code" panose="020B0809050000020004" pitchFamily="49" charset="0"/>
-            </a:endParaRPr>
-          </a:p>
-        </p:txBody>
-      </p:sp>
-    </p:spTree>
-    <p:extLst>
-      <p:ext uri="{BB962C8B-B14F-4D97-AF65-F5344CB8AC3E}">
-        <p14:creationId xmlns:p14="http://schemas.microsoft.com/office/powerpoint/2010/main" val="3231038173"/>
-      </p:ext>
-    </p:extLst>
-  </p:cSld>
-  <p:clrMapOvr>
-    <a:masterClrMapping/>
-  </p:clrMapOvr>
-  <p:timing>
-    <p:tnLst>
-      <p:par>
-        <p:cTn id="1" dur="indefinite" restart="never" nodeType="tmRoot"/>
-      </p:par>
-    </p:tnLst>
-  </p:timing>
-</p:sld>
-</file>
-
-<file path=ppt/slides/slide7.xml><?xml version="1.0" encoding="utf-8"?>
+<file path=ppt/slides/slide5.xml><?xml version="1.0" encoding="utf-8"?>
 <p:sld xmlns:a="http://schemas.openxmlformats.org/drawingml/2006/main" xmlns:r="http://schemas.openxmlformats.org/officeDocument/2006/relationships" xmlns:p="http://schemas.openxmlformats.org/presentationml/2006/main">
   <p:cSld>
     <p:spTree>
@@ -8893,11 +7796,6 @@
               </a:rPr>
               <a:t>Standard</a:t>
             </a:r>
-            <a:endParaRPr lang="en-US" dirty="0" smtClean="0">
-              <a:latin typeface="Fira Code" panose="020B0809050000020004" pitchFamily="49" charset="0"/>
-              <a:ea typeface="Fira Code" panose="020B0809050000020004" pitchFamily="49" charset="0"/>
-              <a:cs typeface="Fira Code" panose="020B0809050000020004" pitchFamily="49" charset="0"/>
-            </a:endParaRPr>
           </a:p>
           <a:p>
             <a:pPr marL="285750" indent="-285750">
@@ -9018,7 +7916,405 @@
 </p:sld>
 </file>
 
-<file path=ppt/slides/slide8.xml><?xml version="1.0" encoding="utf-8"?>
+<file path=ppt/slides/slide6.xml><?xml version="1.0" encoding="utf-8"?>
+<p:sld xmlns:a="http://schemas.openxmlformats.org/drawingml/2006/main" xmlns:r="http://schemas.openxmlformats.org/officeDocument/2006/relationships" xmlns:p="http://schemas.openxmlformats.org/presentationml/2006/main">
+  <p:cSld>
+    <p:spTree>
+      <p:nvGrpSpPr>
+        <p:cNvPr id="1" name=""/>
+        <p:cNvGrpSpPr/>
+        <p:nvPr/>
+      </p:nvGrpSpPr>
+      <p:grpSpPr>
+        <a:xfrm>
+          <a:off x="0" y="0"/>
+          <a:ext cx="0" cy="0"/>
+          <a:chOff x="0" y="0"/>
+          <a:chExt cx="0" cy="0"/>
+        </a:xfrm>
+      </p:grpSpPr>
+      <p:grpSp>
+        <p:nvGrpSpPr>
+          <p:cNvPr id="10" name="Group 9"/>
+          <p:cNvGrpSpPr/>
+          <p:nvPr/>
+        </p:nvGrpSpPr>
+        <p:grpSpPr>
+          <a:xfrm>
+            <a:off x="215246" y="188978"/>
+            <a:ext cx="6969356" cy="1306057"/>
+            <a:chOff x="215246" y="188978"/>
+            <a:chExt cx="6969356" cy="1306057"/>
+          </a:xfrm>
+        </p:grpSpPr>
+        <p:sp>
+          <p:nvSpPr>
+            <p:cNvPr id="6" name="TextBox 5"/>
+            <p:cNvSpPr txBox="1"/>
+            <p:nvPr/>
+          </p:nvSpPr>
+          <p:spPr>
+            <a:xfrm>
+              <a:off x="642140" y="593182"/>
+              <a:ext cx="6002009" cy="523220"/>
+            </a:xfrm>
+            <a:prstGeom prst="rect">
+              <a:avLst/>
+            </a:prstGeom>
+            <a:noFill/>
+          </p:spPr>
+          <p:txBody>
+            <a:bodyPr wrap="square" rtlCol="0">
+              <a:spAutoFit/>
+            </a:bodyPr>
+            <a:lstStyle/>
+            <a:p>
+              <a:pPr algn="ctr"/>
+              <a:r>
+                <a:rPr lang="en-US" sz="2800" b="1" dirty="0" err="1" smtClean="0">
+                  <a:latin typeface="Fira Code" panose="020B0809050000020004" pitchFamily="49" charset="0"/>
+                  <a:ea typeface="Fira Code" panose="020B0809050000020004" pitchFamily="49" charset="0"/>
+                  <a:cs typeface="Fira Code" panose="020B0809050000020004" pitchFamily="49" charset="0"/>
+                </a:rPr>
+                <a:t>Enabeling</a:t>
+              </a:r>
+              <a:r>
+                <a:rPr lang="en-US" sz="2800" b="1" dirty="0" smtClean="0">
+                  <a:latin typeface="Fira Code" panose="020B0809050000020004" pitchFamily="49" charset="0"/>
+                  <a:ea typeface="Fira Code" panose="020B0809050000020004" pitchFamily="49" charset="0"/>
+                  <a:cs typeface="Fira Code" panose="020B0809050000020004" pitchFamily="49" charset="0"/>
+                </a:rPr>
+                <a:t> </a:t>
+              </a:r>
+              <a:r>
+                <a:rPr lang="en-US" sz="2800" b="1" dirty="0" err="1" smtClean="0">
+                  <a:latin typeface="Fira Code" panose="020B0809050000020004" pitchFamily="49" charset="0"/>
+                  <a:ea typeface="Fira Code" panose="020B0809050000020004" pitchFamily="49" charset="0"/>
+                  <a:cs typeface="Fira Code" panose="020B0809050000020004" pitchFamily="49" charset="0"/>
+                </a:rPr>
+                <a:t>Polybase</a:t>
+              </a:r>
+              <a:endParaRPr lang="en-ZA" sz="4000" dirty="0">
+                <a:latin typeface="Fira Code SemiBold" panose="020B0809050000020004" pitchFamily="49" charset="0"/>
+                <a:ea typeface="Fira Code SemiBold" panose="020B0809050000020004" pitchFamily="49" charset="0"/>
+              </a:endParaRPr>
+            </a:p>
+          </p:txBody>
+        </p:sp>
+        <p:sp>
+          <p:nvSpPr>
+            <p:cNvPr id="7" name="Rectangle 6"/>
+            <p:cNvSpPr/>
+            <p:nvPr/>
+          </p:nvSpPr>
+          <p:spPr>
+            <a:xfrm>
+              <a:off x="394941" y="393693"/>
+              <a:ext cx="6789661" cy="1101342"/>
+            </a:xfrm>
+            <a:prstGeom prst="rect">
+              <a:avLst/>
+            </a:prstGeom>
+            <a:noFill/>
+            <a:ln w="57150">
+              <a:solidFill>
+                <a:schemeClr val="bg1">
+                  <a:lumMod val="75000"/>
+                </a:schemeClr>
+              </a:solidFill>
+            </a:ln>
+          </p:spPr>
+          <p:style>
+            <a:lnRef idx="1">
+              <a:schemeClr val="accent1"/>
+            </a:lnRef>
+            <a:fillRef idx="2">
+              <a:schemeClr val="accent1"/>
+            </a:fillRef>
+            <a:effectRef idx="1">
+              <a:schemeClr val="accent1"/>
+            </a:effectRef>
+            <a:fontRef idx="minor">
+              <a:schemeClr val="dk1"/>
+            </a:fontRef>
+          </p:style>
+          <p:txBody>
+            <a:bodyPr rtlCol="0" anchor="ctr"/>
+            <a:lstStyle/>
+            <a:p>
+              <a:pPr algn="ctr"/>
+              <a:endParaRPr lang="en-ZA"/>
+            </a:p>
+          </p:txBody>
+        </p:sp>
+        <p:sp>
+          <p:nvSpPr>
+            <p:cNvPr id="8" name="Rectangle 7"/>
+            <p:cNvSpPr/>
+            <p:nvPr/>
+          </p:nvSpPr>
+          <p:spPr>
+            <a:xfrm>
+              <a:off x="215246" y="188978"/>
+              <a:ext cx="6608830" cy="1072010"/>
+            </a:xfrm>
+            <a:prstGeom prst="rect">
+              <a:avLst/>
+            </a:prstGeom>
+            <a:noFill/>
+            <a:ln w="57150">
+              <a:solidFill>
+                <a:schemeClr val="accent1">
+                  <a:lumMod val="75000"/>
+                </a:schemeClr>
+              </a:solidFill>
+            </a:ln>
+          </p:spPr>
+          <p:style>
+            <a:lnRef idx="1">
+              <a:schemeClr val="accent1"/>
+            </a:lnRef>
+            <a:fillRef idx="2">
+              <a:schemeClr val="accent1"/>
+            </a:fillRef>
+            <a:effectRef idx="1">
+              <a:schemeClr val="accent1"/>
+            </a:effectRef>
+            <a:fontRef idx="minor">
+              <a:schemeClr val="dk1"/>
+            </a:fontRef>
+          </p:style>
+          <p:txBody>
+            <a:bodyPr rtlCol="0" anchor="ctr"/>
+            <a:lstStyle/>
+            <a:p>
+              <a:pPr algn="ctr"/>
+              <a:endParaRPr lang="en-ZA"/>
+            </a:p>
+          </p:txBody>
+        </p:sp>
+      </p:grpSp>
+      <p:sp>
+        <p:nvSpPr>
+          <p:cNvPr id="17" name="TextBox 16"/>
+          <p:cNvSpPr txBox="1"/>
+          <p:nvPr/>
+        </p:nvSpPr>
+        <p:spPr>
+          <a:xfrm>
+            <a:off x="642140" y="1925325"/>
+            <a:ext cx="6542462" cy="1477328"/>
+          </a:xfrm>
+          <a:prstGeom prst="rect">
+            <a:avLst/>
+          </a:prstGeom>
+          <a:noFill/>
+        </p:spPr>
+        <p:txBody>
+          <a:bodyPr wrap="square" rtlCol="0">
+            <a:spAutoFit/>
+          </a:bodyPr>
+          <a:lstStyle/>
+          <a:p>
+            <a:r>
+              <a:rPr lang="en-US" b="1" dirty="0" smtClean="0">
+                <a:latin typeface="Fira Code" panose="020B0809050000020004" pitchFamily="49" charset="0"/>
+                <a:ea typeface="Fira Code" panose="020B0809050000020004" pitchFamily="49" charset="0"/>
+                <a:cs typeface="Fira Code" panose="020B0809050000020004" pitchFamily="49" charset="0"/>
+              </a:rPr>
+              <a:t>Possible Issues</a:t>
+            </a:r>
+            <a:endParaRPr lang="en-US" b="1" dirty="0" smtClean="0">
+              <a:latin typeface="Fira Code" panose="020B0809050000020004" pitchFamily="49" charset="0"/>
+              <a:ea typeface="Fira Code" panose="020B0809050000020004" pitchFamily="49" charset="0"/>
+              <a:cs typeface="Fira Code" panose="020B0809050000020004" pitchFamily="49" charset="0"/>
+            </a:endParaRPr>
+          </a:p>
+          <a:p>
+            <a:endParaRPr lang="en-US" dirty="0" smtClean="0">
+              <a:latin typeface="Fira Code" panose="020B0809050000020004" pitchFamily="49" charset="0"/>
+              <a:ea typeface="Fira Code" panose="020B0809050000020004" pitchFamily="49" charset="0"/>
+              <a:cs typeface="Fira Code" panose="020B0809050000020004" pitchFamily="49" charset="0"/>
+            </a:endParaRPr>
+          </a:p>
+          <a:p>
+            <a:r>
+              <a:rPr lang="en-US" dirty="0" smtClean="0">
+                <a:latin typeface="Fira Code" panose="020B0809050000020004" pitchFamily="49" charset="0"/>
+                <a:ea typeface="Fira Code" panose="020B0809050000020004" pitchFamily="49" charset="0"/>
+                <a:cs typeface="Fira Code" panose="020B0809050000020004" pitchFamily="49" charset="0"/>
+              </a:rPr>
+              <a:t>TCP/IP Not Enables</a:t>
+            </a:r>
+          </a:p>
+          <a:p>
+            <a:r>
+              <a:rPr lang="en-US" dirty="0" smtClean="0">
+                <a:latin typeface="Fira Code" panose="020B0809050000020004" pitchFamily="49" charset="0"/>
+                <a:ea typeface="Fira Code" panose="020B0809050000020004" pitchFamily="49" charset="0"/>
+                <a:cs typeface="Fira Code" panose="020B0809050000020004" pitchFamily="49" charset="0"/>
+              </a:rPr>
+              <a:t>Mixed Mode </a:t>
+            </a:r>
+            <a:r>
+              <a:rPr lang="en-US" dirty="0" err="1" smtClean="0">
+                <a:latin typeface="Fira Code" panose="020B0809050000020004" pitchFamily="49" charset="0"/>
+                <a:ea typeface="Fira Code" panose="020B0809050000020004" pitchFamily="49" charset="0"/>
+                <a:cs typeface="Fira Code" panose="020B0809050000020004" pitchFamily="49" charset="0"/>
+              </a:rPr>
+              <a:t>Auth</a:t>
+            </a:r>
+            <a:endParaRPr lang="en-US" dirty="0" smtClean="0">
+              <a:latin typeface="Fira Code" panose="020B0809050000020004" pitchFamily="49" charset="0"/>
+              <a:ea typeface="Fira Code" panose="020B0809050000020004" pitchFamily="49" charset="0"/>
+              <a:cs typeface="Fira Code" panose="020B0809050000020004" pitchFamily="49" charset="0"/>
+            </a:endParaRPr>
+          </a:p>
+          <a:p>
+            <a:r>
+              <a:rPr lang="en-US" dirty="0" smtClean="0">
+                <a:latin typeface="Fira Code" panose="020B0809050000020004" pitchFamily="49" charset="0"/>
+                <a:ea typeface="Fira Code" panose="020B0809050000020004" pitchFamily="49" charset="0"/>
+                <a:cs typeface="Fira Code" panose="020B0809050000020004" pitchFamily="49" charset="0"/>
+              </a:rPr>
+              <a:t>Java JRE Issue</a:t>
+            </a:r>
+            <a:endParaRPr lang="en-US" dirty="0" smtClean="0">
+              <a:latin typeface="Fira Code" panose="020B0809050000020004" pitchFamily="49" charset="0"/>
+              <a:ea typeface="Fira Code" panose="020B0809050000020004" pitchFamily="49" charset="0"/>
+              <a:cs typeface="Fira Code" panose="020B0809050000020004" pitchFamily="49" charset="0"/>
+            </a:endParaRPr>
+          </a:p>
+        </p:txBody>
+      </p:sp>
+      <p:sp>
+        <p:nvSpPr>
+          <p:cNvPr id="13" name="TextBox 12"/>
+          <p:cNvSpPr txBox="1"/>
+          <p:nvPr/>
+        </p:nvSpPr>
+        <p:spPr>
+          <a:xfrm>
+            <a:off x="6008914" y="6488668"/>
+            <a:ext cx="6183086" cy="261610"/>
+          </a:xfrm>
+          <a:prstGeom prst="rect">
+            <a:avLst/>
+          </a:prstGeom>
+          <a:noFill/>
+        </p:spPr>
+        <p:txBody>
+          <a:bodyPr wrap="square" rtlCol="0">
+            <a:spAutoFit/>
+          </a:bodyPr>
+          <a:lstStyle/>
+          <a:p>
+            <a:pPr algn="r"/>
+            <a:r>
+              <a:rPr lang="en-US" sz="1100" dirty="0">
+                <a:latin typeface="Fira Code" panose="020B0809050000020004" pitchFamily="49" charset="0"/>
+                <a:ea typeface="Fira Code" panose="020B0809050000020004" pitchFamily="49" charset="0"/>
+                <a:cs typeface="Fira Code" panose="020B0809050000020004" pitchFamily="49" charset="0"/>
+              </a:rPr>
+              <a:t>https://tinyurl.com/yzbvuyeb</a:t>
+            </a:r>
+            <a:endParaRPr lang="en-US" sz="1100" dirty="0" smtClean="0">
+              <a:latin typeface="Fira Code" panose="020B0809050000020004" pitchFamily="49" charset="0"/>
+              <a:ea typeface="Fira Code" panose="020B0809050000020004" pitchFamily="49" charset="0"/>
+              <a:cs typeface="Fira Code" panose="020B0809050000020004" pitchFamily="49" charset="0"/>
+            </a:endParaRPr>
+          </a:p>
+        </p:txBody>
+      </p:sp>
+      <p:pic>
+        <p:nvPicPr>
+          <p:cNvPr id="2" name="Picture 1"/>
+          <p:cNvPicPr>
+            <a:picLocks noChangeAspect="1"/>
+          </p:cNvPicPr>
+          <p:nvPr/>
+        </p:nvPicPr>
+        <p:blipFill>
+          <a:blip r:embed="rId3"/>
+          <a:stretch>
+            <a:fillRect/>
+          </a:stretch>
+        </p:blipFill>
+        <p:spPr>
+          <a:xfrm>
+            <a:off x="5215890" y="1905876"/>
+            <a:ext cx="6515100" cy="2085975"/>
+          </a:xfrm>
+          <a:prstGeom prst="rect">
+            <a:avLst/>
+          </a:prstGeom>
+        </p:spPr>
+      </p:pic>
+      <p:sp>
+        <p:nvSpPr>
+          <p:cNvPr id="4" name="Rounded Rectangle 3"/>
+          <p:cNvSpPr/>
+          <p:nvPr/>
+        </p:nvSpPr>
+        <p:spPr>
+          <a:xfrm>
+            <a:off x="5138928" y="3105696"/>
+            <a:ext cx="4690872" cy="483355"/>
+          </a:xfrm>
+          <a:prstGeom prst="roundRect">
+            <a:avLst/>
+          </a:prstGeom>
+          <a:noFill/>
+          <a:ln>
+            <a:solidFill>
+              <a:srgbClr val="FF0000"/>
+            </a:solidFill>
+          </a:ln>
+        </p:spPr>
+        <p:style>
+          <a:lnRef idx="1">
+            <a:schemeClr val="accent2"/>
+          </a:lnRef>
+          <a:fillRef idx="2">
+            <a:schemeClr val="accent2"/>
+          </a:fillRef>
+          <a:effectRef idx="1">
+            <a:schemeClr val="accent2"/>
+          </a:effectRef>
+          <a:fontRef idx="minor">
+            <a:schemeClr val="dk1"/>
+          </a:fontRef>
+        </p:style>
+        <p:txBody>
+          <a:bodyPr rtlCol="0" anchor="ctr"/>
+          <a:lstStyle/>
+          <a:p>
+            <a:pPr algn="ctr"/>
+            <a:endParaRPr lang="en-ZA"/>
+          </a:p>
+        </p:txBody>
+      </p:sp>
+    </p:spTree>
+    <p:extLst>
+      <p:ext uri="{BB962C8B-B14F-4D97-AF65-F5344CB8AC3E}">
+        <p14:creationId xmlns:p14="http://schemas.microsoft.com/office/powerpoint/2010/main" val="2902445972"/>
+      </p:ext>
+    </p:extLst>
+  </p:cSld>
+  <p:clrMapOvr>
+    <a:masterClrMapping/>
+  </p:clrMapOvr>
+  <p:timing>
+    <p:tnLst>
+      <p:par>
+        <p:cTn id="1" dur="indefinite" restart="never" nodeType="tmRoot"/>
+      </p:par>
+    </p:tnLst>
+  </p:timing>
+</p:sld>
+</file>
+
+<file path=ppt/slides/slide7.xml><?xml version="1.0" encoding="utf-8"?>
 <p:sld xmlns:a="http://schemas.openxmlformats.org/drawingml/2006/main" xmlns:r="http://schemas.openxmlformats.org/officeDocument/2006/relationships" xmlns:p="http://schemas.openxmlformats.org/presentationml/2006/main">
   <p:cSld>
     <p:spTree>
@@ -9218,11 +8514,6 @@
               </a:rPr>
               <a:t>Make sure that mixed mode Authentication is enabled as well</a:t>
             </a:r>
-            <a:endParaRPr lang="en-US" b="1" dirty="0" smtClean="0">
-              <a:latin typeface="Fira Code" panose="020B0809050000020004" pitchFamily="49" charset="0"/>
-              <a:ea typeface="Fira Code" panose="020B0809050000020004" pitchFamily="49" charset="0"/>
-              <a:cs typeface="Fira Code" panose="020B0809050000020004" pitchFamily="49" charset="0"/>
-            </a:endParaRPr>
           </a:p>
           <a:p>
             <a:endParaRPr lang="en-US" dirty="0" smtClean="0">
@@ -9341,7 +8632,7 @@
 </p:sld>
 </file>
 
-<file path=ppt/slides/slide9.xml><?xml version="1.0" encoding="utf-8"?>
+<file path=ppt/slides/slide8.xml><?xml version="1.0" encoding="utf-8"?>
 <p:sld xmlns:a="http://schemas.openxmlformats.org/drawingml/2006/main" xmlns:r="http://schemas.openxmlformats.org/officeDocument/2006/relationships" xmlns:p="http://schemas.openxmlformats.org/presentationml/2006/main">
   <p:cSld>
     <p:spTree>
@@ -9570,6 +8861,251 @@
     <p:extLst>
       <p:ext uri="{BB962C8B-B14F-4D97-AF65-F5344CB8AC3E}">
         <p14:creationId xmlns:p14="http://schemas.microsoft.com/office/powerpoint/2010/main" val="1864384955"/>
+      </p:ext>
+    </p:extLst>
+  </p:cSld>
+  <p:clrMapOvr>
+    <a:masterClrMapping/>
+  </p:clrMapOvr>
+  <p:timing>
+    <p:tnLst>
+      <p:par>
+        <p:cTn id="1" dur="indefinite" restart="never" nodeType="tmRoot"/>
+      </p:par>
+    </p:tnLst>
+  </p:timing>
+</p:sld>
+</file>
+
+<file path=ppt/slides/slide9.xml><?xml version="1.0" encoding="utf-8"?>
+<p:sld xmlns:a="http://schemas.openxmlformats.org/drawingml/2006/main" xmlns:r="http://schemas.openxmlformats.org/officeDocument/2006/relationships" xmlns:p="http://schemas.openxmlformats.org/presentationml/2006/main">
+  <p:cSld>
+    <p:spTree>
+      <p:nvGrpSpPr>
+        <p:cNvPr id="1" name=""/>
+        <p:cNvGrpSpPr/>
+        <p:nvPr/>
+      </p:nvGrpSpPr>
+      <p:grpSpPr>
+        <a:xfrm>
+          <a:off x="0" y="0"/>
+          <a:ext cx="0" cy="0"/>
+          <a:chOff x="0" y="0"/>
+          <a:chExt cx="0" cy="0"/>
+        </a:xfrm>
+      </p:grpSpPr>
+      <p:grpSp>
+        <p:nvGrpSpPr>
+          <p:cNvPr id="10" name="Group 9"/>
+          <p:cNvGrpSpPr/>
+          <p:nvPr/>
+        </p:nvGrpSpPr>
+        <p:grpSpPr>
+          <a:xfrm>
+            <a:off x="215246" y="188978"/>
+            <a:ext cx="6969356" cy="1306057"/>
+            <a:chOff x="215246" y="188978"/>
+            <a:chExt cx="6969356" cy="1306057"/>
+          </a:xfrm>
+        </p:grpSpPr>
+        <p:sp>
+          <p:nvSpPr>
+            <p:cNvPr id="6" name="TextBox 5"/>
+            <p:cNvSpPr txBox="1"/>
+            <p:nvPr/>
+          </p:nvSpPr>
+          <p:spPr>
+            <a:xfrm>
+              <a:off x="642140" y="593182"/>
+              <a:ext cx="6002009" cy="461665"/>
+            </a:xfrm>
+            <a:prstGeom prst="rect">
+              <a:avLst/>
+            </a:prstGeom>
+            <a:noFill/>
+          </p:spPr>
+          <p:txBody>
+            <a:bodyPr wrap="square" rtlCol="0">
+              <a:spAutoFit/>
+            </a:bodyPr>
+            <a:lstStyle/>
+            <a:p>
+              <a:pPr algn="ctr"/>
+              <a:r>
+                <a:rPr lang="en-US" sz="2400" b="1" dirty="0" smtClean="0">
+                  <a:latin typeface="Fira Code" panose="020B0809050000020004" pitchFamily="49" charset="0"/>
+                  <a:ea typeface="Fira Code" panose="020B0809050000020004" pitchFamily="49" charset="0"/>
+                  <a:cs typeface="Fira Code" panose="020B0809050000020004" pitchFamily="49" charset="0"/>
+                </a:rPr>
+                <a:t>Authentication &amp; Credentials</a:t>
+              </a:r>
+              <a:endParaRPr lang="en-ZA" sz="3600" dirty="0">
+                <a:latin typeface="Fira Code SemiBold" panose="020B0809050000020004" pitchFamily="49" charset="0"/>
+                <a:ea typeface="Fira Code SemiBold" panose="020B0809050000020004" pitchFamily="49" charset="0"/>
+              </a:endParaRPr>
+            </a:p>
+          </p:txBody>
+        </p:sp>
+        <p:sp>
+          <p:nvSpPr>
+            <p:cNvPr id="7" name="Rectangle 6"/>
+            <p:cNvSpPr/>
+            <p:nvPr/>
+          </p:nvSpPr>
+          <p:spPr>
+            <a:xfrm>
+              <a:off x="394941" y="393693"/>
+              <a:ext cx="6789661" cy="1101342"/>
+            </a:xfrm>
+            <a:prstGeom prst="rect">
+              <a:avLst/>
+            </a:prstGeom>
+            <a:noFill/>
+            <a:ln w="57150">
+              <a:solidFill>
+                <a:schemeClr val="bg1">
+                  <a:lumMod val="75000"/>
+                </a:schemeClr>
+              </a:solidFill>
+            </a:ln>
+          </p:spPr>
+          <p:style>
+            <a:lnRef idx="1">
+              <a:schemeClr val="accent1"/>
+            </a:lnRef>
+            <a:fillRef idx="2">
+              <a:schemeClr val="accent1"/>
+            </a:fillRef>
+            <a:effectRef idx="1">
+              <a:schemeClr val="accent1"/>
+            </a:effectRef>
+            <a:fontRef idx="minor">
+              <a:schemeClr val="dk1"/>
+            </a:fontRef>
+          </p:style>
+          <p:txBody>
+            <a:bodyPr rtlCol="0" anchor="ctr"/>
+            <a:lstStyle/>
+            <a:p>
+              <a:pPr algn="ctr"/>
+              <a:endParaRPr lang="en-ZA"/>
+            </a:p>
+          </p:txBody>
+        </p:sp>
+        <p:sp>
+          <p:nvSpPr>
+            <p:cNvPr id="8" name="Rectangle 7"/>
+            <p:cNvSpPr/>
+            <p:nvPr/>
+          </p:nvSpPr>
+          <p:spPr>
+            <a:xfrm>
+              <a:off x="215246" y="188978"/>
+              <a:ext cx="6608830" cy="1072010"/>
+            </a:xfrm>
+            <a:prstGeom prst="rect">
+              <a:avLst/>
+            </a:prstGeom>
+            <a:noFill/>
+            <a:ln w="57150">
+              <a:solidFill>
+                <a:schemeClr val="accent1">
+                  <a:lumMod val="75000"/>
+                </a:schemeClr>
+              </a:solidFill>
+            </a:ln>
+          </p:spPr>
+          <p:style>
+            <a:lnRef idx="1">
+              <a:schemeClr val="accent1"/>
+            </a:lnRef>
+            <a:fillRef idx="2">
+              <a:schemeClr val="accent1"/>
+            </a:fillRef>
+            <a:effectRef idx="1">
+              <a:schemeClr val="accent1"/>
+            </a:effectRef>
+            <a:fontRef idx="minor">
+              <a:schemeClr val="dk1"/>
+            </a:fontRef>
+          </p:style>
+          <p:txBody>
+            <a:bodyPr rtlCol="0" anchor="ctr"/>
+            <a:lstStyle/>
+            <a:p>
+              <a:pPr algn="ctr"/>
+              <a:endParaRPr lang="en-ZA"/>
+            </a:p>
+          </p:txBody>
+        </p:sp>
+      </p:grpSp>
+      <p:sp>
+        <p:nvSpPr>
+          <p:cNvPr id="13" name="TextBox 12"/>
+          <p:cNvSpPr txBox="1"/>
+          <p:nvPr/>
+        </p:nvSpPr>
+        <p:spPr>
+          <a:xfrm>
+            <a:off x="6008914" y="6488668"/>
+            <a:ext cx="6183086" cy="261610"/>
+          </a:xfrm>
+          <a:prstGeom prst="rect">
+            <a:avLst/>
+          </a:prstGeom>
+          <a:noFill/>
+        </p:spPr>
+        <p:txBody>
+          <a:bodyPr wrap="square" rtlCol="0">
+            <a:spAutoFit/>
+          </a:bodyPr>
+          <a:lstStyle/>
+          <a:p>
+            <a:pPr algn="r"/>
+            <a:r>
+              <a:rPr lang="en-US" sz="1100" dirty="0">
+                <a:latin typeface="Fira Code" panose="020B0809050000020004" pitchFamily="49" charset="0"/>
+                <a:ea typeface="Fira Code" panose="020B0809050000020004" pitchFamily="49" charset="0"/>
+                <a:cs typeface="Fira Code" panose="020B0809050000020004" pitchFamily="49" charset="0"/>
+              </a:rPr>
+              <a:t>https://tinyurl.com/yzbvuyeb</a:t>
+            </a:r>
+            <a:endParaRPr lang="en-US" sz="1100" dirty="0" smtClean="0">
+              <a:latin typeface="Fira Code" panose="020B0809050000020004" pitchFamily="49" charset="0"/>
+              <a:ea typeface="Fira Code" panose="020B0809050000020004" pitchFamily="49" charset="0"/>
+              <a:cs typeface="Fira Code" panose="020B0809050000020004" pitchFamily="49" charset="0"/>
+            </a:endParaRPr>
+          </a:p>
+        </p:txBody>
+      </p:sp>
+      <p:pic>
+        <p:nvPicPr>
+          <p:cNvPr id="3" name="Picture 2"/>
+          <p:cNvPicPr>
+            <a:picLocks noChangeAspect="1"/>
+          </p:cNvPicPr>
+          <p:nvPr/>
+        </p:nvPicPr>
+        <p:blipFill>
+          <a:blip r:embed="rId2"/>
+          <a:stretch>
+            <a:fillRect/>
+          </a:stretch>
+        </p:blipFill>
+        <p:spPr>
+          <a:xfrm>
+            <a:off x="215246" y="2020176"/>
+            <a:ext cx="8534400" cy="3943350"/>
+          </a:xfrm>
+          <a:prstGeom prst="rect">
+            <a:avLst/>
+          </a:prstGeom>
+        </p:spPr>
+      </p:pic>
+    </p:spTree>
+    <p:extLst>
+      <p:ext uri="{BB962C8B-B14F-4D97-AF65-F5344CB8AC3E}">
+        <p14:creationId xmlns:p14="http://schemas.microsoft.com/office/powerpoint/2010/main" val="547116952"/>
       </p:ext>
     </p:extLst>
   </p:cSld>
@@ -9845,4 +9381,265 @@
     </a:ext>
   </a:extLst>
 </a:theme>
+</file>
+
+<file path=ppt/theme/theme2.xml><?xml version="1.0" encoding="utf-8"?>
+<a:theme xmlns:a="http://schemas.openxmlformats.org/drawingml/2006/main" name="Office Theme">
+  <a:themeElements>
+    <a:clrScheme name="Office">
+      <a:dk1>
+        <a:sysClr val="windowText" lastClr="000000"/>
+      </a:dk1>
+      <a:lt1>
+        <a:sysClr val="window" lastClr="FFFFFF"/>
+      </a:lt1>
+      <a:dk2>
+        <a:srgbClr val="44546A"/>
+      </a:dk2>
+      <a:lt2>
+        <a:srgbClr val="E7E6E6"/>
+      </a:lt2>
+      <a:accent1>
+        <a:srgbClr val="5B9BD5"/>
+      </a:accent1>
+      <a:accent2>
+        <a:srgbClr val="ED7D31"/>
+      </a:accent2>
+      <a:accent3>
+        <a:srgbClr val="A5A5A5"/>
+      </a:accent3>
+      <a:accent4>
+        <a:srgbClr val="FFC000"/>
+      </a:accent4>
+      <a:accent5>
+        <a:srgbClr val="4472C4"/>
+      </a:accent5>
+      <a:accent6>
+        <a:srgbClr val="70AD47"/>
+      </a:accent6>
+      <a:hlink>
+        <a:srgbClr val="0563C1"/>
+      </a:hlink>
+      <a:folHlink>
+        <a:srgbClr val="954F72"/>
+      </a:folHlink>
+    </a:clrScheme>
+    <a:fontScheme name="Office">
+      <a:majorFont>
+        <a:latin typeface="Calibri Light" panose="020F0302020204030204"/>
+        <a:ea typeface=""/>
+        <a:cs typeface=""/>
+        <a:font script="Jpan" typeface="ＭＳ Ｐゴシック"/>
+        <a:font script="Hang" typeface="맑은 고딕"/>
+        <a:font script="Hans" typeface="宋体"/>
+        <a:font script="Hant" typeface="新細明體"/>
+        <a:font script="Arab" typeface="Times New Roman"/>
+        <a:font script="Hebr" typeface="Times New Roman"/>
+        <a:font script="Thai" typeface="Angsana New"/>
+        <a:font script="Ethi" typeface="Nyala"/>
+        <a:font script="Beng" typeface="Vrinda"/>
+        <a:font script="Gujr" typeface="Shruti"/>
+        <a:font script="Khmr" typeface="MoolBoran"/>
+        <a:font script="Knda" typeface="Tunga"/>
+        <a:font script="Guru" typeface="Raavi"/>
+        <a:font script="Cans" typeface="Euphemia"/>
+        <a:font script="Cher" typeface="Plantagenet Cherokee"/>
+        <a:font script="Yiii" typeface="Microsoft Yi Baiti"/>
+        <a:font script="Tibt" typeface="Microsoft Himalaya"/>
+        <a:font script="Thaa" typeface="MV Boli"/>
+        <a:font script="Deva" typeface="Mangal"/>
+        <a:font script="Telu" typeface="Gautami"/>
+        <a:font script="Taml" typeface="Latha"/>
+        <a:font script="Syrc" typeface="Estrangelo Edessa"/>
+        <a:font script="Orya" typeface="Kalinga"/>
+        <a:font script="Mlym" typeface="Kartika"/>
+        <a:font script="Laoo" typeface="DokChampa"/>
+        <a:font script="Sinh" typeface="Iskoola Pota"/>
+        <a:font script="Mong" typeface="Mongolian Baiti"/>
+        <a:font script="Viet" typeface="Times New Roman"/>
+        <a:font script="Uigh" typeface="Microsoft Uighur"/>
+        <a:font script="Geor" typeface="Sylfaen"/>
+      </a:majorFont>
+      <a:minorFont>
+        <a:latin typeface="Calibri" panose="020F0502020204030204"/>
+        <a:ea typeface=""/>
+        <a:cs typeface=""/>
+        <a:font script="Jpan" typeface="ＭＳ Ｐゴシック"/>
+        <a:font script="Hang" typeface="맑은 고딕"/>
+        <a:font script="Hans" typeface="宋体"/>
+        <a:font script="Hant" typeface="新細明體"/>
+        <a:font script="Arab" typeface="Arial"/>
+        <a:font script="Hebr" typeface="Arial"/>
+        <a:font script="Thai" typeface="Cordia New"/>
+        <a:font script="Ethi" typeface="Nyala"/>
+        <a:font script="Beng" typeface="Vrinda"/>
+        <a:font script="Gujr" typeface="Shruti"/>
+        <a:font script="Khmr" typeface="DaunPenh"/>
+        <a:font script="Knda" typeface="Tunga"/>
+        <a:font script="Guru" typeface="Raavi"/>
+        <a:font script="Cans" typeface="Euphemia"/>
+        <a:font script="Cher" typeface="Plantagenet Cherokee"/>
+        <a:font script="Yiii" typeface="Microsoft Yi Baiti"/>
+        <a:font script="Tibt" typeface="Microsoft Himalaya"/>
+        <a:font script="Thaa" typeface="MV Boli"/>
+        <a:font script="Deva" typeface="Mangal"/>
+        <a:font script="Telu" typeface="Gautami"/>
+        <a:font script="Taml" typeface="Latha"/>
+        <a:font script="Syrc" typeface="Estrangelo Edessa"/>
+        <a:font script="Orya" typeface="Kalinga"/>
+        <a:font script="Mlym" typeface="Kartika"/>
+        <a:font script="Laoo" typeface="DokChampa"/>
+        <a:font script="Sinh" typeface="Iskoola Pota"/>
+        <a:font script="Mong" typeface="Mongolian Baiti"/>
+        <a:font script="Viet" typeface="Arial"/>
+        <a:font script="Uigh" typeface="Microsoft Uighur"/>
+        <a:font script="Geor" typeface="Sylfaen"/>
+      </a:minorFont>
+    </a:fontScheme>
+    <a:fmtScheme name="Office">
+      <a:fillStyleLst>
+        <a:solidFill>
+          <a:schemeClr val="phClr"/>
+        </a:solidFill>
+        <a:gradFill rotWithShape="1">
+          <a:gsLst>
+            <a:gs pos="0">
+              <a:schemeClr val="phClr">
+                <a:lumMod val="110000"/>
+                <a:satMod val="105000"/>
+                <a:tint val="67000"/>
+              </a:schemeClr>
+            </a:gs>
+            <a:gs pos="50000">
+              <a:schemeClr val="phClr">
+                <a:lumMod val="105000"/>
+                <a:satMod val="103000"/>
+                <a:tint val="73000"/>
+              </a:schemeClr>
+            </a:gs>
+            <a:gs pos="100000">
+              <a:schemeClr val="phClr">
+                <a:lumMod val="105000"/>
+                <a:satMod val="109000"/>
+                <a:tint val="81000"/>
+              </a:schemeClr>
+            </a:gs>
+          </a:gsLst>
+          <a:lin ang="5400000" scaled="0"/>
+        </a:gradFill>
+        <a:gradFill rotWithShape="1">
+          <a:gsLst>
+            <a:gs pos="0">
+              <a:schemeClr val="phClr">
+                <a:satMod val="103000"/>
+                <a:lumMod val="102000"/>
+                <a:tint val="94000"/>
+              </a:schemeClr>
+            </a:gs>
+            <a:gs pos="50000">
+              <a:schemeClr val="phClr">
+                <a:satMod val="110000"/>
+                <a:lumMod val="100000"/>
+                <a:shade val="100000"/>
+              </a:schemeClr>
+            </a:gs>
+            <a:gs pos="100000">
+              <a:schemeClr val="phClr">
+                <a:lumMod val="99000"/>
+                <a:satMod val="120000"/>
+                <a:shade val="78000"/>
+              </a:schemeClr>
+            </a:gs>
+          </a:gsLst>
+          <a:lin ang="5400000" scaled="0"/>
+        </a:gradFill>
+      </a:fillStyleLst>
+      <a:lnStyleLst>
+        <a:ln w="6350" cap="flat" cmpd="sng" algn="ctr">
+          <a:solidFill>
+            <a:schemeClr val="phClr"/>
+          </a:solidFill>
+          <a:prstDash val="solid"/>
+          <a:miter lim="800000"/>
+        </a:ln>
+        <a:ln w="12700" cap="flat" cmpd="sng" algn="ctr">
+          <a:solidFill>
+            <a:schemeClr val="phClr"/>
+          </a:solidFill>
+          <a:prstDash val="solid"/>
+          <a:miter lim="800000"/>
+        </a:ln>
+        <a:ln w="19050" cap="flat" cmpd="sng" algn="ctr">
+          <a:solidFill>
+            <a:schemeClr val="phClr"/>
+          </a:solidFill>
+          <a:prstDash val="solid"/>
+          <a:miter lim="800000"/>
+        </a:ln>
+      </a:lnStyleLst>
+      <a:effectStyleLst>
+        <a:effectStyle>
+          <a:effectLst/>
+        </a:effectStyle>
+        <a:effectStyle>
+          <a:effectLst/>
+        </a:effectStyle>
+        <a:effectStyle>
+          <a:effectLst>
+            <a:outerShdw blurRad="57150" dist="19050" dir="5400000" algn="ctr" rotWithShape="0">
+              <a:srgbClr val="000000">
+                <a:alpha val="63000"/>
+              </a:srgbClr>
+            </a:outerShdw>
+          </a:effectLst>
+        </a:effectStyle>
+      </a:effectStyleLst>
+      <a:bgFillStyleLst>
+        <a:solidFill>
+          <a:schemeClr val="phClr"/>
+        </a:solidFill>
+        <a:solidFill>
+          <a:schemeClr val="phClr">
+            <a:tint val="95000"/>
+            <a:satMod val="170000"/>
+          </a:schemeClr>
+        </a:solidFill>
+        <a:gradFill rotWithShape="1">
+          <a:gsLst>
+            <a:gs pos="0">
+              <a:schemeClr val="phClr">
+                <a:tint val="93000"/>
+                <a:satMod val="150000"/>
+                <a:shade val="98000"/>
+                <a:lumMod val="102000"/>
+              </a:schemeClr>
+            </a:gs>
+            <a:gs pos="50000">
+              <a:schemeClr val="phClr">
+                <a:tint val="98000"/>
+                <a:satMod val="130000"/>
+                <a:shade val="90000"/>
+                <a:lumMod val="103000"/>
+              </a:schemeClr>
+            </a:gs>
+            <a:gs pos="100000">
+              <a:schemeClr val="phClr">
+                <a:shade val="63000"/>
+                <a:satMod val="120000"/>
+              </a:schemeClr>
+            </a:gs>
+          </a:gsLst>
+          <a:lin ang="5400000" scaled="0"/>
+        </a:gradFill>
+      </a:bgFillStyleLst>
+    </a:fmtScheme>
+  </a:themeElements>
+  <a:objectDefaults/>
+  <a:extraClrSchemeLst/>
+  <a:extLst>
+    <a:ext uri="{05A4C25C-085E-4340-85A3-A5531E510DB2}">
+      <thm15:themeFamily xmlns:thm15="http://schemas.microsoft.com/office/thememl/2012/main" name="Office Theme" id="{62F939B6-93AF-4DB8-9C6B-D6C7DFDC589F}" vid="{4A3C46E8-61CC-4603-A589-7422A47A8E4A}"/>
+    </a:ext>
+  </a:extLst>
+</a:theme>
 </file>